--- a/docs/diagrams/UiComponentClassDiagram.pptx
+++ b/docs/diagrams/UiComponentClassDiagram.pptx
@@ -5,10 +5,11 @@
     <p:sldMasterId id="2147483648" r:id="rId1"/>
   </p:sldMasterIdLst>
   <p:notesMasterIdLst>
-    <p:notesMasterId r:id="rId3"/>
+    <p:notesMasterId r:id="rId4"/>
   </p:notesMasterIdLst>
   <p:sldIdLst>
     <p:sldId id="260" r:id="rId2"/>
+    <p:sldId id="261" r:id="rId3"/>
   </p:sldIdLst>
   <p:sldSz cx="9144000" cy="6858000" type="screen4x3"/>
   <p:notesSz cx="6858000" cy="9144000"/>
@@ -212,7 +213,7 @@
           <a:p>
             <a:fld id="{F5CC4B3F-88C1-4FFA-B1B6-F41C21DC6924}" type="datetimeFigureOut">
               <a:rPr lang="en-US" smtClean="0"/>
-              <a:t>4/5/2018</a:t>
+              <a:t>4/14/2018</a:t>
             </a:fld>
             <a:endParaRPr lang="en-US"/>
           </a:p>
@@ -658,7 +659,7 @@
           <a:p>
             <a:fld id="{78C97017-6FC3-485B-9764-EAC9E56C1D49}" type="datetimeFigureOut">
               <a:rPr lang="en-US" smtClean="0"/>
-              <a:t>4/5/2018</a:t>
+              <a:t>4/14/2018</a:t>
             </a:fld>
             <a:endParaRPr lang="en-US"/>
           </a:p>
@@ -826,7 +827,7 @@
           <a:p>
             <a:fld id="{78C97017-6FC3-485B-9764-EAC9E56C1D49}" type="datetimeFigureOut">
               <a:rPr lang="en-US" smtClean="0"/>
-              <a:t>4/5/2018</a:t>
+              <a:t>4/14/2018</a:t>
             </a:fld>
             <a:endParaRPr lang="en-US"/>
           </a:p>
@@ -1004,7 +1005,7 @@
           <a:p>
             <a:fld id="{78C97017-6FC3-485B-9764-EAC9E56C1D49}" type="datetimeFigureOut">
               <a:rPr lang="en-US" smtClean="0"/>
-              <a:t>4/5/2018</a:t>
+              <a:t>4/14/2018</a:t>
             </a:fld>
             <a:endParaRPr lang="en-US"/>
           </a:p>
@@ -1172,7 +1173,7 @@
           <a:p>
             <a:fld id="{78C97017-6FC3-485B-9764-EAC9E56C1D49}" type="datetimeFigureOut">
               <a:rPr lang="en-US" smtClean="0"/>
-              <a:t>4/5/2018</a:t>
+              <a:t>4/14/2018</a:t>
             </a:fld>
             <a:endParaRPr lang="en-US"/>
           </a:p>
@@ -1417,7 +1418,7 @@
           <a:p>
             <a:fld id="{78C97017-6FC3-485B-9764-EAC9E56C1D49}" type="datetimeFigureOut">
               <a:rPr lang="en-US" smtClean="0"/>
-              <a:t>4/5/2018</a:t>
+              <a:t>4/14/2018</a:t>
             </a:fld>
             <a:endParaRPr lang="en-US"/>
           </a:p>
@@ -1702,7 +1703,7 @@
           <a:p>
             <a:fld id="{78C97017-6FC3-485B-9764-EAC9E56C1D49}" type="datetimeFigureOut">
               <a:rPr lang="en-US" smtClean="0"/>
-              <a:t>4/5/2018</a:t>
+              <a:t>4/14/2018</a:t>
             </a:fld>
             <a:endParaRPr lang="en-US"/>
           </a:p>
@@ -2121,7 +2122,7 @@
           <a:p>
             <a:fld id="{78C97017-6FC3-485B-9764-EAC9E56C1D49}" type="datetimeFigureOut">
               <a:rPr lang="en-US" smtClean="0"/>
-              <a:t>4/5/2018</a:t>
+              <a:t>4/14/2018</a:t>
             </a:fld>
             <a:endParaRPr lang="en-US"/>
           </a:p>
@@ -2238,7 +2239,7 @@
           <a:p>
             <a:fld id="{78C97017-6FC3-485B-9764-EAC9E56C1D49}" type="datetimeFigureOut">
               <a:rPr lang="en-US" smtClean="0"/>
-              <a:t>4/5/2018</a:t>
+              <a:t>4/14/2018</a:t>
             </a:fld>
             <a:endParaRPr lang="en-US"/>
           </a:p>
@@ -2333,7 +2334,7 @@
           <a:p>
             <a:fld id="{78C97017-6FC3-485B-9764-EAC9E56C1D49}" type="datetimeFigureOut">
               <a:rPr lang="en-US" smtClean="0"/>
-              <a:t>4/5/2018</a:t>
+              <a:t>4/14/2018</a:t>
             </a:fld>
             <a:endParaRPr lang="en-US"/>
           </a:p>
@@ -2608,7 +2609,7 @@
           <a:p>
             <a:fld id="{78C97017-6FC3-485B-9764-EAC9E56C1D49}" type="datetimeFigureOut">
               <a:rPr lang="en-US" smtClean="0"/>
-              <a:t>4/5/2018</a:t>
+              <a:t>4/14/2018</a:t>
             </a:fld>
             <a:endParaRPr lang="en-US"/>
           </a:p>
@@ -2860,7 +2861,7 @@
           <a:p>
             <a:fld id="{78C97017-6FC3-485B-9764-EAC9E56C1D49}" type="datetimeFigureOut">
               <a:rPr lang="en-US" smtClean="0"/>
-              <a:t>4/5/2018</a:t>
+              <a:t>4/14/2018</a:t>
             </a:fld>
             <a:endParaRPr lang="en-US"/>
           </a:p>
@@ -3071,7 +3072,7 @@
           <a:p>
             <a:fld id="{78C97017-6FC3-485B-9764-EAC9E56C1D49}" type="datetimeFigureOut">
               <a:rPr lang="en-US" smtClean="0"/>
-              <a:t>4/5/2018</a:t>
+              <a:t>4/14/2018</a:t>
             </a:fld>
             <a:endParaRPr lang="en-US"/>
           </a:p>
@@ -5944,6 +5945,2341 @@
     <p:extLst>
       <p:ext uri="{BB962C8B-B14F-4D97-AF65-F5344CB8AC3E}">
         <p14:creationId xmlns:p14="http://schemas.microsoft.com/office/powerpoint/2010/main" val="2776882492"/>
+      </p:ext>
+    </p:extLst>
+  </p:cSld>
+  <p:clrMapOvr>
+    <a:masterClrMapping/>
+  </p:clrMapOvr>
+</p:sld>
+</file>
+
+<file path=ppt/slides/slide2.xml><?xml version="1.0" encoding="utf-8"?>
+<p:sld xmlns:a="http://schemas.openxmlformats.org/drawingml/2006/main" xmlns:r="http://schemas.openxmlformats.org/officeDocument/2006/relationships" xmlns:p="http://schemas.openxmlformats.org/presentationml/2006/main">
+  <p:cSld>
+    <p:spTree>
+      <p:nvGrpSpPr>
+        <p:cNvPr id="1" name=""/>
+        <p:cNvGrpSpPr/>
+        <p:nvPr/>
+      </p:nvGrpSpPr>
+      <p:grpSpPr>
+        <a:xfrm>
+          <a:off x="0" y="0"/>
+          <a:ext cx="0" cy="0"/>
+          <a:chOff x="0" y="0"/>
+          <a:chExt cx="0" cy="0"/>
+        </a:xfrm>
+      </p:grpSpPr>
+      <p:sp>
+        <p:nvSpPr>
+          <p:cNvPr id="2" name="Rectangle 65">
+            <a:extLst>
+              <a:ext uri="{FF2B5EF4-FFF2-40B4-BE49-F238E27FC236}">
+                <a16:creationId xmlns:a16="http://schemas.microsoft.com/office/drawing/2014/main" id="{DE085429-8497-4DF3-BD1E-1D30BCDB0620}"/>
+              </a:ext>
+            </a:extLst>
+          </p:cNvPr>
+          <p:cNvSpPr/>
+          <p:nvPr/>
+        </p:nvSpPr>
+        <p:spPr>
+          <a:xfrm>
+            <a:off x="378914" y="838200"/>
+            <a:ext cx="5524782" cy="5295628"/>
+          </a:xfrm>
+          <a:prstGeom prst="roundRect">
+            <a:avLst>
+              <a:gd name="adj" fmla="val 3484"/>
+            </a:avLst>
+          </a:prstGeom>
+          <a:solidFill>
+            <a:srgbClr val="F1F5E9"/>
+          </a:solidFill>
+          <a:ln w="19050">
+            <a:noFill/>
+          </a:ln>
+          <a:effectLst/>
+        </p:spPr>
+        <p:style>
+          <a:lnRef idx="1">
+            <a:schemeClr val="accent2"/>
+          </a:lnRef>
+          <a:fillRef idx="2">
+            <a:schemeClr val="accent2"/>
+          </a:fillRef>
+          <a:effectRef idx="1">
+            <a:schemeClr val="accent2"/>
+          </a:effectRef>
+          <a:fontRef idx="minor">
+            <a:schemeClr val="dk1"/>
+          </a:fontRef>
+        </p:style>
+        <p:txBody>
+          <a:bodyPr rtlCol="0" anchor="t"/>
+          <a:lstStyle/>
+          <a:p>
+            <a:r>
+              <a:rPr lang="en-US" sz="1200" b="1" dirty="0">
+                <a:solidFill>
+                  <a:schemeClr val="accent3">
+                    <a:lumMod val="75000"/>
+                  </a:schemeClr>
+                </a:solidFill>
+              </a:rPr>
+              <a:t>UI</a:t>
+            </a:r>
+            <a:endParaRPr lang="en-SG" sz="1200" b="1" dirty="0">
+              <a:solidFill>
+                <a:schemeClr val="accent3">
+                  <a:lumMod val="75000"/>
+                </a:schemeClr>
+              </a:solidFill>
+            </a:endParaRPr>
+          </a:p>
+        </p:txBody>
+      </p:sp>
+      <p:grpSp>
+        <p:nvGrpSpPr>
+          <p:cNvPr id="66" name="Group 65">
+            <a:extLst>
+              <a:ext uri="{FF2B5EF4-FFF2-40B4-BE49-F238E27FC236}">
+                <a16:creationId xmlns:a16="http://schemas.microsoft.com/office/drawing/2014/main" id="{0157065F-8A2D-47C0-A5B4-88B2BF0EB6EA}"/>
+              </a:ext>
+            </a:extLst>
+          </p:cNvPr>
+          <p:cNvGrpSpPr/>
+          <p:nvPr/>
+        </p:nvGrpSpPr>
+        <p:grpSpPr>
+          <a:xfrm>
+            <a:off x="1334172" y="3780357"/>
+            <a:ext cx="3049019" cy="538939"/>
+            <a:chOff x="2514600" y="3064116"/>
+            <a:chExt cx="3095100" cy="662857"/>
+          </a:xfrm>
+        </p:grpSpPr>
+        <p:grpSp>
+          <p:nvGrpSpPr>
+            <p:cNvPr id="64" name="Group 63">
+              <a:extLst>
+                <a:ext uri="{FF2B5EF4-FFF2-40B4-BE49-F238E27FC236}">
+                  <a16:creationId xmlns:a16="http://schemas.microsoft.com/office/drawing/2014/main" id="{B6ECB08A-8015-45FF-9552-51372AAB682F}"/>
+                </a:ext>
+              </a:extLst>
+            </p:cNvPr>
+            <p:cNvGrpSpPr/>
+            <p:nvPr/>
+          </p:nvGrpSpPr>
+          <p:grpSpPr>
+            <a:xfrm>
+              <a:off x="2514600" y="3067276"/>
+              <a:ext cx="3095100" cy="659697"/>
+              <a:chOff x="2514600" y="3770599"/>
+              <a:chExt cx="3095100" cy="659697"/>
+            </a:xfrm>
+          </p:grpSpPr>
+          <p:sp>
+            <p:nvSpPr>
+              <p:cNvPr id="62" name="Rectangle 61">
+                <a:extLst>
+                  <a:ext uri="{FF2B5EF4-FFF2-40B4-BE49-F238E27FC236}">
+                    <a16:creationId xmlns:a16="http://schemas.microsoft.com/office/drawing/2014/main" id="{F1F2E633-F3BE-4E8C-8208-C19B2C025C09}"/>
+                  </a:ext>
+                </a:extLst>
+              </p:cNvPr>
+              <p:cNvSpPr/>
+              <p:nvPr/>
+            </p:nvSpPr>
+            <p:spPr>
+              <a:xfrm>
+                <a:off x="2514600" y="3770599"/>
+                <a:ext cx="3095100" cy="659697"/>
+              </a:xfrm>
+              <a:prstGeom prst="rect">
+                <a:avLst/>
+              </a:prstGeom>
+              <a:noFill/>
+              <a:ln>
+                <a:solidFill>
+                  <a:srgbClr val="D0DFB3"/>
+                </a:solidFill>
+              </a:ln>
+            </p:spPr>
+            <p:style>
+              <a:lnRef idx="2">
+                <a:schemeClr val="accent1">
+                  <a:shade val="50000"/>
+                </a:schemeClr>
+              </a:lnRef>
+              <a:fillRef idx="1">
+                <a:schemeClr val="accent1"/>
+              </a:fillRef>
+              <a:effectRef idx="0">
+                <a:schemeClr val="accent1"/>
+              </a:effectRef>
+              <a:fontRef idx="minor">
+                <a:schemeClr val="lt1"/>
+              </a:fontRef>
+            </p:style>
+            <p:txBody>
+              <a:bodyPr rtlCol="0" anchor="ctr"/>
+              <a:lstStyle/>
+              <a:p>
+                <a:pPr algn="ctr"/>
+                <a:endParaRPr lang="en-SG"/>
+              </a:p>
+            </p:txBody>
+          </p:sp>
+          <p:sp>
+            <p:nvSpPr>
+              <p:cNvPr id="63" name="Rectangle: Single Corner Snipped 62">
+                <a:extLst>
+                  <a:ext uri="{FF2B5EF4-FFF2-40B4-BE49-F238E27FC236}">
+                    <a16:creationId xmlns:a16="http://schemas.microsoft.com/office/drawing/2014/main" id="{DEDFE08A-070C-4E38-AF85-920F11AA103F}"/>
+                  </a:ext>
+                </a:extLst>
+              </p:cNvPr>
+              <p:cNvSpPr/>
+              <p:nvPr/>
+            </p:nvSpPr>
+            <p:spPr>
+              <a:xfrm flipV="1">
+                <a:off x="2515107" y="3773621"/>
+                <a:ext cx="577963" cy="259991"/>
+              </a:xfrm>
+              <a:prstGeom prst="snip1Rect">
+                <a:avLst/>
+              </a:prstGeom>
+              <a:noFill/>
+              <a:ln>
+                <a:solidFill>
+                  <a:srgbClr val="D0DFB3"/>
+                </a:solidFill>
+              </a:ln>
+            </p:spPr>
+            <p:style>
+              <a:lnRef idx="2">
+                <a:schemeClr val="accent1">
+                  <a:shade val="50000"/>
+                </a:schemeClr>
+              </a:lnRef>
+              <a:fillRef idx="1">
+                <a:schemeClr val="accent1"/>
+              </a:fillRef>
+              <a:effectRef idx="0">
+                <a:schemeClr val="accent1"/>
+              </a:effectRef>
+              <a:fontRef idx="minor">
+                <a:schemeClr val="lt1"/>
+              </a:fontRef>
+            </p:style>
+            <p:txBody>
+              <a:bodyPr rtlCol="0" anchor="ctr"/>
+              <a:lstStyle/>
+              <a:p>
+                <a:pPr algn="ctr"/>
+                <a:endParaRPr lang="en-SG" dirty="0"/>
+              </a:p>
+            </p:txBody>
+          </p:sp>
+        </p:grpSp>
+        <p:sp>
+          <p:nvSpPr>
+            <p:cNvPr id="65" name="TextBox 64">
+              <a:extLst>
+                <a:ext uri="{FF2B5EF4-FFF2-40B4-BE49-F238E27FC236}">
+                  <a16:creationId xmlns:a16="http://schemas.microsoft.com/office/drawing/2014/main" id="{D1927054-202B-438D-A567-8B602D04F194}"/>
+                </a:ext>
+              </a:extLst>
+            </p:cNvPr>
+            <p:cNvSpPr txBox="1"/>
+            <p:nvPr/>
+          </p:nvSpPr>
+          <p:spPr>
+            <a:xfrm>
+              <a:off x="2555042" y="3064116"/>
+              <a:ext cx="502270" cy="276999"/>
+            </a:xfrm>
+            <a:prstGeom prst="rect">
+              <a:avLst/>
+            </a:prstGeom>
+            <a:noFill/>
+          </p:spPr>
+          <p:txBody>
+            <a:bodyPr wrap="square" rtlCol="0">
+              <a:spAutoFit/>
+            </a:bodyPr>
+            <a:lstStyle/>
+            <a:p>
+              <a:r>
+                <a:rPr lang="en-SG" sz="1200" b="1" dirty="0">
+                  <a:solidFill>
+                    <a:schemeClr val="accent3">
+                      <a:lumMod val="75000"/>
+                    </a:schemeClr>
+                  </a:solidFill>
+                </a:rPr>
+                <a:t>loop</a:t>
+              </a:r>
+              <a:endParaRPr lang="en-SG" sz="1100" b="1" dirty="0">
+                <a:solidFill>
+                  <a:schemeClr val="accent3">
+                    <a:lumMod val="75000"/>
+                  </a:schemeClr>
+                </a:solidFill>
+              </a:endParaRPr>
+            </a:p>
+          </p:txBody>
+        </p:sp>
+      </p:grpSp>
+      <p:cxnSp>
+        <p:nvCxnSpPr>
+          <p:cNvPr id="68" name="Straight Arrow Connector 67">
+            <a:extLst>
+              <a:ext uri="{FF2B5EF4-FFF2-40B4-BE49-F238E27FC236}">
+                <a16:creationId xmlns:a16="http://schemas.microsoft.com/office/drawing/2014/main" id="{DF91867C-4918-4312-A126-28F364D1766A}"/>
+              </a:ext>
+            </a:extLst>
+          </p:cNvPr>
+          <p:cNvCxnSpPr>
+            <a:cxnSpLocks/>
+            <a:stCxn id="89" idx="1"/>
+          </p:cNvCxnSpPr>
+          <p:nvPr/>
+        </p:nvCxnSpPr>
+        <p:spPr>
+          <a:xfrm flipH="1">
+            <a:off x="1273024" y="4607320"/>
+            <a:ext cx="5127776" cy="33553"/>
+          </a:xfrm>
+          <a:prstGeom prst="straightConnector1">
+            <a:avLst/>
+          </a:prstGeom>
+          <a:ln w="28575">
+            <a:solidFill>
+              <a:srgbClr val="B9CDE5"/>
+            </a:solidFill>
+            <a:prstDash val="sysDash"/>
+            <a:tailEnd type="arrow"/>
+          </a:ln>
+        </p:spPr>
+        <p:style>
+          <a:lnRef idx="1">
+            <a:schemeClr val="accent1"/>
+          </a:lnRef>
+          <a:fillRef idx="0">
+            <a:schemeClr val="accent1"/>
+          </a:fillRef>
+          <a:effectRef idx="0">
+            <a:schemeClr val="accent1"/>
+          </a:effectRef>
+          <a:fontRef idx="minor">
+            <a:schemeClr val="tx1"/>
+          </a:fontRef>
+        </p:style>
+      </p:cxnSp>
+      <p:sp>
+        <p:nvSpPr>
+          <p:cNvPr id="71" name="TextBox 70">
+            <a:extLst>
+              <a:ext uri="{FF2B5EF4-FFF2-40B4-BE49-F238E27FC236}">
+                <a16:creationId xmlns:a16="http://schemas.microsoft.com/office/drawing/2014/main" id="{2F90FBA2-7FCD-49A3-BB40-BDFD83D2E57C}"/>
+              </a:ext>
+            </a:extLst>
+          </p:cNvPr>
+          <p:cNvSpPr txBox="1"/>
+          <p:nvPr/>
+        </p:nvSpPr>
+        <p:spPr>
+          <a:xfrm>
+            <a:off x="4419601" y="4419582"/>
+            <a:ext cx="1746242" cy="184666"/>
+          </a:xfrm>
+          <a:prstGeom prst="rect">
+            <a:avLst/>
+          </a:prstGeom>
+          <a:noFill/>
+        </p:spPr>
+        <p:txBody>
+          <a:bodyPr wrap="square" lIns="0" tIns="0" rIns="0" bIns="0" rtlCol="0">
+            <a:spAutoFit/>
+          </a:bodyPr>
+          <a:lstStyle>
+            <a:defPPr>
+              <a:defRPr lang="en-US"/>
+            </a:defPPr>
+            <a:lvl1pPr algn="r">
+              <a:defRPr sz="1400">
+                <a:solidFill>
+                  <a:srgbClr val="0070C0"/>
+                </a:solidFill>
+              </a:defRPr>
+            </a:lvl1pPr>
+          </a:lstStyle>
+          <a:p>
+            <a:r>
+              <a:rPr lang="en-US" sz="1200" dirty="0" err="1"/>
+              <a:t>getFilteredCrimeCaseList</a:t>
+            </a:r>
+            <a:r>
+              <a:rPr lang="en-US" sz="1200" dirty="0"/>
+              <a:t>()</a:t>
+            </a:r>
+          </a:p>
+        </p:txBody>
+      </p:sp>
+      <p:sp>
+        <p:nvSpPr>
+          <p:cNvPr id="85" name="Rectangle 84">
+            <a:extLst>
+              <a:ext uri="{FF2B5EF4-FFF2-40B4-BE49-F238E27FC236}">
+                <a16:creationId xmlns:a16="http://schemas.microsoft.com/office/drawing/2014/main" id="{83C64F16-4D3D-4E8D-935F-3D015127F1D4}"/>
+              </a:ext>
+            </a:extLst>
+          </p:cNvPr>
+          <p:cNvSpPr/>
+          <p:nvPr/>
+        </p:nvSpPr>
+        <p:spPr>
+          <a:xfrm>
+            <a:off x="1105053" y="4319297"/>
+            <a:ext cx="152920" cy="634896"/>
+          </a:xfrm>
+          <a:prstGeom prst="rect">
+            <a:avLst/>
+          </a:prstGeom>
+          <a:solidFill>
+            <a:srgbClr val="00B050"/>
+          </a:solidFill>
+          <a:ln>
+            <a:noFill/>
+          </a:ln>
+          <a:effectLst/>
+        </p:spPr>
+        <p:style>
+          <a:lnRef idx="1">
+            <a:schemeClr val="accent3"/>
+          </a:lnRef>
+          <a:fillRef idx="2">
+            <a:schemeClr val="accent3"/>
+          </a:fillRef>
+          <a:effectRef idx="1">
+            <a:schemeClr val="accent3"/>
+          </a:effectRef>
+          <a:fontRef idx="minor">
+            <a:schemeClr val="dk1"/>
+          </a:fontRef>
+        </p:style>
+        <p:txBody>
+          <a:bodyPr rtlCol="0" anchor="ctr"/>
+          <a:lstStyle/>
+          <a:p>
+            <a:pPr algn="ctr"/>
+            <a:endParaRPr lang="en-SG" sz="1400"/>
+          </a:p>
+        </p:txBody>
+      </p:sp>
+      <p:sp>
+        <p:nvSpPr>
+          <p:cNvPr id="86" name="Rectangle 62">
+            <a:extLst>
+              <a:ext uri="{FF2B5EF4-FFF2-40B4-BE49-F238E27FC236}">
+                <a16:creationId xmlns:a16="http://schemas.microsoft.com/office/drawing/2014/main" id="{11BD522C-5549-4461-9030-23CF649CA11D}"/>
+              </a:ext>
+            </a:extLst>
+          </p:cNvPr>
+          <p:cNvSpPr/>
+          <p:nvPr/>
+        </p:nvSpPr>
+        <p:spPr>
+          <a:xfrm>
+            <a:off x="593167" y="1225961"/>
+            <a:ext cx="1455629" cy="346760"/>
+          </a:xfrm>
+          <a:prstGeom prst="rect">
+            <a:avLst/>
+          </a:prstGeom>
+          <a:solidFill>
+            <a:srgbClr val="00B050"/>
+          </a:solidFill>
+          <a:ln w="19050">
+            <a:noFill/>
+          </a:ln>
+          <a:effectLst/>
+        </p:spPr>
+        <p:style>
+          <a:lnRef idx="1">
+            <a:schemeClr val="accent2"/>
+          </a:lnRef>
+          <a:fillRef idx="2">
+            <a:schemeClr val="accent2"/>
+          </a:fillRef>
+          <a:effectRef idx="1">
+            <a:schemeClr val="accent2"/>
+          </a:effectRef>
+          <a:fontRef idx="minor">
+            <a:schemeClr val="dk1"/>
+          </a:fontRef>
+        </p:style>
+        <p:txBody>
+          <a:bodyPr rtlCol="0" anchor="ctr"/>
+          <a:lstStyle/>
+          <a:p>
+            <a:pPr algn="ctr"/>
+            <a:r>
+              <a:rPr lang="en-US" sz="1600" dirty="0">
+                <a:solidFill>
+                  <a:schemeClr val="bg1"/>
+                </a:solidFill>
+              </a:rPr>
+              <a:t>:</a:t>
+            </a:r>
+            <a:r>
+              <a:rPr lang="en-US" sz="1600" dirty="0" err="1">
+                <a:solidFill>
+                  <a:schemeClr val="bg1"/>
+                </a:solidFill>
+              </a:rPr>
+              <a:t>CalendarPanel</a:t>
+            </a:r>
+            <a:endParaRPr lang="en-SG" sz="1600" dirty="0">
+              <a:solidFill>
+                <a:schemeClr val="bg1"/>
+              </a:solidFill>
+            </a:endParaRPr>
+          </a:p>
+        </p:txBody>
+      </p:sp>
+      <p:sp>
+        <p:nvSpPr>
+          <p:cNvPr id="87" name="Rectangle 62">
+            <a:extLst>
+              <a:ext uri="{FF2B5EF4-FFF2-40B4-BE49-F238E27FC236}">
+                <a16:creationId xmlns:a16="http://schemas.microsoft.com/office/drawing/2014/main" id="{3E3E2B0E-4469-4CCC-8CA9-D5043E4C1C22}"/>
+              </a:ext>
+            </a:extLst>
+          </p:cNvPr>
+          <p:cNvSpPr/>
+          <p:nvPr/>
+        </p:nvSpPr>
+        <p:spPr>
+          <a:xfrm>
+            <a:off x="5979896" y="2410022"/>
+            <a:ext cx="1030504" cy="346760"/>
+          </a:xfrm>
+          <a:prstGeom prst="rect">
+            <a:avLst/>
+          </a:prstGeom>
+          <a:solidFill>
+            <a:srgbClr val="B9CDE5"/>
+          </a:solidFill>
+          <a:ln w="19050">
+            <a:solidFill>
+              <a:srgbClr val="B9CDE5"/>
+            </a:solidFill>
+          </a:ln>
+          <a:effectLst/>
+        </p:spPr>
+        <p:style>
+          <a:lnRef idx="1">
+            <a:schemeClr val="accent2"/>
+          </a:lnRef>
+          <a:fillRef idx="2">
+            <a:schemeClr val="accent2"/>
+          </a:fillRef>
+          <a:effectRef idx="1">
+            <a:schemeClr val="accent2"/>
+          </a:effectRef>
+          <a:fontRef idx="minor">
+            <a:schemeClr val="dk1"/>
+          </a:fontRef>
+        </p:style>
+        <p:txBody>
+          <a:bodyPr rtlCol="0" anchor="ctr"/>
+          <a:lstStyle/>
+          <a:p>
+            <a:pPr algn="ctr"/>
+            <a:r>
+              <a:rPr lang="en-US" sz="1600" dirty="0">
+                <a:solidFill>
+                  <a:schemeClr val="bg1"/>
+                </a:solidFill>
+              </a:rPr>
+              <a:t>:Logic</a:t>
+            </a:r>
+            <a:endParaRPr lang="en-SG" sz="1600" dirty="0">
+              <a:solidFill>
+                <a:schemeClr val="bg1"/>
+              </a:solidFill>
+            </a:endParaRPr>
+          </a:p>
+        </p:txBody>
+      </p:sp>
+      <p:cxnSp>
+        <p:nvCxnSpPr>
+          <p:cNvPr id="88" name="Straight Connector 87">
+            <a:extLst>
+              <a:ext uri="{FF2B5EF4-FFF2-40B4-BE49-F238E27FC236}">
+                <a16:creationId xmlns:a16="http://schemas.microsoft.com/office/drawing/2014/main" id="{BB79A99B-B87D-4C78-A798-74B3D5F3F7E6}"/>
+              </a:ext>
+            </a:extLst>
+          </p:cNvPr>
+          <p:cNvCxnSpPr>
+            <a:cxnSpLocks/>
+            <a:endCxn id="89" idx="2"/>
+          </p:cNvCxnSpPr>
+          <p:nvPr/>
+        </p:nvCxnSpPr>
+        <p:spPr>
+          <a:xfrm flipH="1">
+            <a:off x="6483978" y="2748680"/>
+            <a:ext cx="11170" cy="2037483"/>
+          </a:xfrm>
+          <a:prstGeom prst="line">
+            <a:avLst/>
+          </a:prstGeom>
+          <a:ln w="19050">
+            <a:solidFill>
+              <a:srgbClr val="B9CDE5"/>
+            </a:solidFill>
+            <a:prstDash val="sysDash"/>
+          </a:ln>
+          <a:effectLst/>
+        </p:spPr>
+        <p:style>
+          <a:lnRef idx="1">
+            <a:schemeClr val="accent1"/>
+          </a:lnRef>
+          <a:fillRef idx="2">
+            <a:schemeClr val="accent1"/>
+          </a:fillRef>
+          <a:effectRef idx="1">
+            <a:schemeClr val="accent1"/>
+          </a:effectRef>
+          <a:fontRef idx="minor">
+            <a:schemeClr val="dk1"/>
+          </a:fontRef>
+        </p:style>
+      </p:cxnSp>
+      <p:sp>
+        <p:nvSpPr>
+          <p:cNvPr id="89" name="Rectangle 88">
+            <a:extLst>
+              <a:ext uri="{FF2B5EF4-FFF2-40B4-BE49-F238E27FC236}">
+                <a16:creationId xmlns:a16="http://schemas.microsoft.com/office/drawing/2014/main" id="{F9C39795-806A-4CB5-BF01-209B0E7FEF3C}"/>
+              </a:ext>
+            </a:extLst>
+          </p:cNvPr>
+          <p:cNvSpPr/>
+          <p:nvPr/>
+        </p:nvSpPr>
+        <p:spPr>
+          <a:xfrm>
+            <a:off x="6400800" y="4428477"/>
+            <a:ext cx="166356" cy="357686"/>
+          </a:xfrm>
+          <a:prstGeom prst="rect">
+            <a:avLst/>
+          </a:prstGeom>
+          <a:solidFill>
+            <a:srgbClr val="B9CDE5"/>
+          </a:solidFill>
+          <a:ln>
+            <a:solidFill>
+              <a:srgbClr val="B9CDE5"/>
+            </a:solidFill>
+          </a:ln>
+          <a:effectLst/>
+        </p:spPr>
+        <p:style>
+          <a:lnRef idx="1">
+            <a:schemeClr val="accent3"/>
+          </a:lnRef>
+          <a:fillRef idx="2">
+            <a:schemeClr val="accent3"/>
+          </a:fillRef>
+          <a:effectRef idx="1">
+            <a:schemeClr val="accent3"/>
+          </a:effectRef>
+          <a:fontRef idx="minor">
+            <a:schemeClr val="dk1"/>
+          </a:fontRef>
+        </p:style>
+        <p:txBody>
+          <a:bodyPr rtlCol="0" anchor="ctr"/>
+          <a:lstStyle/>
+          <a:p>
+            <a:pPr algn="ctr"/>
+            <a:endParaRPr lang="en-SG" sz="1400"/>
+          </a:p>
+        </p:txBody>
+      </p:sp>
+      <p:sp>
+        <p:nvSpPr>
+          <p:cNvPr id="93" name="Flowchart: Decision 92">
+            <a:extLst>
+              <a:ext uri="{FF2B5EF4-FFF2-40B4-BE49-F238E27FC236}">
+                <a16:creationId xmlns:a16="http://schemas.microsoft.com/office/drawing/2014/main" id="{5327D9E4-173D-4173-82BB-9DC5CEF5A821}"/>
+              </a:ext>
+            </a:extLst>
+          </p:cNvPr>
+          <p:cNvSpPr/>
+          <p:nvPr/>
+        </p:nvSpPr>
+        <p:spPr>
+          <a:xfrm>
+            <a:off x="1202679" y="1579178"/>
+            <a:ext cx="183156" cy="161573"/>
+          </a:xfrm>
+          <a:prstGeom prst="flowChartDecision">
+            <a:avLst/>
+          </a:prstGeom>
+          <a:solidFill>
+            <a:srgbClr val="00B050"/>
+          </a:solidFill>
+          <a:ln>
+            <a:solidFill>
+              <a:srgbClr val="00B050"/>
+            </a:solidFill>
+          </a:ln>
+        </p:spPr>
+        <p:style>
+          <a:lnRef idx="2">
+            <a:schemeClr val="accent1">
+              <a:shade val="50000"/>
+            </a:schemeClr>
+          </a:lnRef>
+          <a:fillRef idx="1">
+            <a:schemeClr val="accent1"/>
+          </a:fillRef>
+          <a:effectRef idx="0">
+            <a:schemeClr val="accent1"/>
+          </a:effectRef>
+          <a:fontRef idx="minor">
+            <a:schemeClr val="lt1"/>
+          </a:fontRef>
+        </p:style>
+        <p:txBody>
+          <a:bodyPr rtlCol="0" anchor="ctr"/>
+          <a:lstStyle/>
+          <a:p>
+            <a:pPr algn="ctr"/>
+            <a:endParaRPr lang="en-SG"/>
+          </a:p>
+        </p:txBody>
+      </p:sp>
+      <p:cxnSp>
+        <p:nvCxnSpPr>
+          <p:cNvPr id="94" name="Elbow Connector 63">
+            <a:extLst>
+              <a:ext uri="{FF2B5EF4-FFF2-40B4-BE49-F238E27FC236}">
+                <a16:creationId xmlns:a16="http://schemas.microsoft.com/office/drawing/2014/main" id="{E755F653-3BBC-4067-810D-194ED24C873D}"/>
+              </a:ext>
+            </a:extLst>
+          </p:cNvPr>
+          <p:cNvCxnSpPr>
+            <a:cxnSpLocks/>
+          </p:cNvCxnSpPr>
+          <p:nvPr/>
+        </p:nvCxnSpPr>
+        <p:spPr>
+          <a:xfrm rot="16200000" flipH="1">
+            <a:off x="1190112" y="2459021"/>
+            <a:ext cx="382968" cy="174674"/>
+          </a:xfrm>
+          <a:prstGeom prst="bentConnector2">
+            <a:avLst/>
+          </a:prstGeom>
+          <a:ln w="19050">
+            <a:solidFill>
+              <a:srgbClr val="00B050"/>
+            </a:solidFill>
+            <a:headEnd type="none" w="med" len="med"/>
+            <a:tailEnd type="arrow" w="med" len="med"/>
+          </a:ln>
+          <a:effectLst/>
+        </p:spPr>
+        <p:style>
+          <a:lnRef idx="1">
+            <a:schemeClr val="accent2"/>
+          </a:lnRef>
+          <a:fillRef idx="2">
+            <a:schemeClr val="accent2"/>
+          </a:fillRef>
+          <a:effectRef idx="1">
+            <a:schemeClr val="accent2"/>
+          </a:effectRef>
+          <a:fontRef idx="minor">
+            <a:schemeClr val="dk1"/>
+          </a:fontRef>
+        </p:style>
+      </p:cxnSp>
+      <p:sp>
+        <p:nvSpPr>
+          <p:cNvPr id="95" name="Rectangle 11">
+            <a:extLst>
+              <a:ext uri="{FF2B5EF4-FFF2-40B4-BE49-F238E27FC236}">
+                <a16:creationId xmlns:a16="http://schemas.microsoft.com/office/drawing/2014/main" id="{048084C3-27F3-4F7E-A156-BE4BBC2A11D9}"/>
+              </a:ext>
+            </a:extLst>
+          </p:cNvPr>
+          <p:cNvSpPr/>
+          <p:nvPr/>
+        </p:nvSpPr>
+        <p:spPr>
+          <a:xfrm>
+            <a:off x="1468933" y="2671956"/>
+            <a:ext cx="1264049" cy="189332"/>
+          </a:xfrm>
+          <a:prstGeom prst="rect">
+            <a:avLst/>
+          </a:prstGeom>
+          <a:ln w="19050">
+            <a:solidFill>
+              <a:schemeClr val="accent3"/>
+            </a:solidFill>
+          </a:ln>
+          <a:effectLst/>
+        </p:spPr>
+        <p:style>
+          <a:lnRef idx="1">
+            <a:schemeClr val="accent3"/>
+          </a:lnRef>
+          <a:fillRef idx="2">
+            <a:schemeClr val="accent3"/>
+          </a:fillRef>
+          <a:effectRef idx="1">
+            <a:schemeClr val="accent3"/>
+          </a:effectRef>
+          <a:fontRef idx="minor">
+            <a:schemeClr val="dk1"/>
+          </a:fontRef>
+        </p:style>
+        <p:txBody>
+          <a:bodyPr rtlCol="0" anchor="ctr"/>
+          <a:lstStyle/>
+          <a:p>
+            <a:pPr algn="ctr"/>
+            <a:r>
+              <a:rPr lang="en-US" sz="1200" b="1" dirty="0" err="1">
+                <a:solidFill>
+                  <a:schemeClr val="accent3">
+                    <a:lumMod val="75000"/>
+                  </a:schemeClr>
+                </a:solidFill>
+              </a:rPr>
+              <a:t>CalendarSource</a:t>
+            </a:r>
+            <a:endParaRPr lang="en-SG" sz="1200" b="1" dirty="0">
+              <a:solidFill>
+                <a:schemeClr val="accent3">
+                  <a:lumMod val="75000"/>
+                </a:schemeClr>
+              </a:solidFill>
+            </a:endParaRPr>
+          </a:p>
+        </p:txBody>
+      </p:sp>
+      <p:sp>
+        <p:nvSpPr>
+          <p:cNvPr id="96" name="Rectangle 11">
+            <a:extLst>
+              <a:ext uri="{FF2B5EF4-FFF2-40B4-BE49-F238E27FC236}">
+                <a16:creationId xmlns:a16="http://schemas.microsoft.com/office/drawing/2014/main" id="{D9246A8B-C4FA-4372-9C59-993912FA64B8}"/>
+              </a:ext>
+            </a:extLst>
+          </p:cNvPr>
+          <p:cNvSpPr/>
+          <p:nvPr/>
+        </p:nvSpPr>
+        <p:spPr>
+          <a:xfrm>
+            <a:off x="1473294" y="1879215"/>
+            <a:ext cx="1259688" cy="227055"/>
+          </a:xfrm>
+          <a:prstGeom prst="rect">
+            <a:avLst/>
+          </a:prstGeom>
+          <a:ln w="19050">
+            <a:solidFill>
+              <a:schemeClr val="accent3"/>
+            </a:solidFill>
+          </a:ln>
+          <a:effectLst/>
+        </p:spPr>
+        <p:style>
+          <a:lnRef idx="1">
+            <a:schemeClr val="accent3"/>
+          </a:lnRef>
+          <a:fillRef idx="2">
+            <a:schemeClr val="accent3"/>
+          </a:fillRef>
+          <a:effectRef idx="1">
+            <a:schemeClr val="accent3"/>
+          </a:effectRef>
+          <a:fontRef idx="minor">
+            <a:schemeClr val="dk1"/>
+          </a:fontRef>
+        </p:style>
+        <p:txBody>
+          <a:bodyPr rtlCol="0" anchor="ctr"/>
+          <a:lstStyle/>
+          <a:p>
+            <a:pPr algn="ctr"/>
+            <a:r>
+              <a:rPr lang="en-US" sz="1200" b="1" dirty="0" err="1">
+                <a:solidFill>
+                  <a:schemeClr val="accent3">
+                    <a:lumMod val="75000"/>
+                  </a:schemeClr>
+                </a:solidFill>
+              </a:rPr>
+              <a:t>CalendarView</a:t>
+            </a:r>
+            <a:endParaRPr lang="en-SG" sz="1200" b="1" dirty="0">
+              <a:solidFill>
+                <a:schemeClr val="accent3">
+                  <a:lumMod val="75000"/>
+                </a:schemeClr>
+              </a:solidFill>
+            </a:endParaRPr>
+          </a:p>
+        </p:txBody>
+      </p:sp>
+      <p:cxnSp>
+        <p:nvCxnSpPr>
+          <p:cNvPr id="97" name="Elbow Connector 130">
+            <a:extLst>
+              <a:ext uri="{FF2B5EF4-FFF2-40B4-BE49-F238E27FC236}">
+                <a16:creationId xmlns:a16="http://schemas.microsoft.com/office/drawing/2014/main" id="{1DE891FE-5400-47EE-9BB1-DE998ED6C1FD}"/>
+              </a:ext>
+            </a:extLst>
+          </p:cNvPr>
+          <p:cNvCxnSpPr>
+            <a:cxnSpLocks/>
+            <a:endCxn id="96" idx="1"/>
+          </p:cNvCxnSpPr>
+          <p:nvPr/>
+        </p:nvCxnSpPr>
+        <p:spPr>
+          <a:xfrm rot="16200000" flipH="1">
+            <a:off x="1111051" y="1630500"/>
+            <a:ext cx="549812" cy="174673"/>
+          </a:xfrm>
+          <a:prstGeom prst="bentConnector2">
+            <a:avLst/>
+          </a:prstGeom>
+          <a:ln w="19050">
+            <a:solidFill>
+              <a:srgbClr val="00B050"/>
+            </a:solidFill>
+            <a:headEnd type="none" w="med" len="med"/>
+            <a:tailEnd type="arrow" w="med" len="med"/>
+          </a:ln>
+          <a:effectLst/>
+        </p:spPr>
+        <p:style>
+          <a:lnRef idx="1">
+            <a:schemeClr val="accent2"/>
+          </a:lnRef>
+          <a:fillRef idx="2">
+            <a:schemeClr val="accent2"/>
+          </a:fillRef>
+          <a:effectRef idx="1">
+            <a:schemeClr val="accent2"/>
+          </a:effectRef>
+          <a:fontRef idx="minor">
+            <a:schemeClr val="dk1"/>
+          </a:fontRef>
+        </p:style>
+      </p:cxnSp>
+      <p:sp>
+        <p:nvSpPr>
+          <p:cNvPr id="98" name="Rectangle 11">
+            <a:extLst>
+              <a:ext uri="{FF2B5EF4-FFF2-40B4-BE49-F238E27FC236}">
+                <a16:creationId xmlns:a16="http://schemas.microsoft.com/office/drawing/2014/main" id="{27E1F425-41C2-4693-A7BB-34862F941FF0}"/>
+              </a:ext>
+            </a:extLst>
+          </p:cNvPr>
+          <p:cNvSpPr/>
+          <p:nvPr/>
+        </p:nvSpPr>
+        <p:spPr>
+          <a:xfrm>
+            <a:off x="1468933" y="2257757"/>
+            <a:ext cx="2112467" cy="207899"/>
+          </a:xfrm>
+          <a:prstGeom prst="rect">
+            <a:avLst/>
+          </a:prstGeom>
+          <a:ln w="19050">
+            <a:solidFill>
+              <a:schemeClr val="accent3"/>
+            </a:solidFill>
+          </a:ln>
+          <a:effectLst/>
+        </p:spPr>
+        <p:style>
+          <a:lnRef idx="1">
+            <a:schemeClr val="accent3"/>
+          </a:lnRef>
+          <a:fillRef idx="2">
+            <a:schemeClr val="accent3"/>
+          </a:fillRef>
+          <a:effectRef idx="1">
+            <a:schemeClr val="accent3"/>
+          </a:effectRef>
+          <a:fontRef idx="minor">
+            <a:schemeClr val="dk1"/>
+          </a:fontRef>
+        </p:style>
+        <p:txBody>
+          <a:bodyPr rtlCol="0" anchor="ctr"/>
+          <a:lstStyle/>
+          <a:p>
+            <a:pPr algn="ctr"/>
+            <a:r>
+              <a:rPr lang="en-US" sz="1200" b="1" dirty="0" err="1">
+                <a:solidFill>
+                  <a:schemeClr val="accent3">
+                    <a:lumMod val="75000"/>
+                  </a:schemeClr>
+                </a:solidFill>
+              </a:rPr>
+              <a:t>ObservableList</a:t>
+            </a:r>
+            <a:r>
+              <a:rPr lang="en-US" sz="1200" b="1" dirty="0">
+                <a:solidFill>
+                  <a:schemeClr val="accent3">
+                    <a:lumMod val="75000"/>
+                  </a:schemeClr>
+                </a:solidFill>
+              </a:rPr>
+              <a:t>&lt;</a:t>
+            </a:r>
+            <a:r>
+              <a:rPr lang="en-US" sz="1200" b="1" dirty="0" err="1">
+                <a:solidFill>
+                  <a:schemeClr val="accent3">
+                    <a:lumMod val="75000"/>
+                  </a:schemeClr>
+                </a:solidFill>
+              </a:rPr>
+              <a:t>CrimeCase</a:t>
+            </a:r>
+            <a:r>
+              <a:rPr lang="en-US" sz="1200" b="1" dirty="0">
+                <a:solidFill>
+                  <a:schemeClr val="accent3">
+                    <a:lumMod val="75000"/>
+                  </a:schemeClr>
+                </a:solidFill>
+              </a:rPr>
+              <a:t>&gt;</a:t>
+            </a:r>
+            <a:endParaRPr lang="en-SG" sz="1200" b="1" dirty="0">
+              <a:solidFill>
+                <a:schemeClr val="accent3">
+                  <a:lumMod val="75000"/>
+                </a:schemeClr>
+              </a:solidFill>
+            </a:endParaRPr>
+          </a:p>
+        </p:txBody>
+      </p:sp>
+      <p:cxnSp>
+        <p:nvCxnSpPr>
+          <p:cNvPr id="99" name="Elbow Connector 130">
+            <a:extLst>
+              <a:ext uri="{FF2B5EF4-FFF2-40B4-BE49-F238E27FC236}">
+                <a16:creationId xmlns:a16="http://schemas.microsoft.com/office/drawing/2014/main" id="{18037871-1B26-4CDA-B73D-326ACACD71BC}"/>
+              </a:ext>
+            </a:extLst>
+          </p:cNvPr>
+          <p:cNvCxnSpPr>
+            <a:cxnSpLocks/>
+            <a:endCxn id="98" idx="1"/>
+          </p:cNvCxnSpPr>
+          <p:nvPr/>
+        </p:nvCxnSpPr>
+        <p:spPr>
+          <a:xfrm rot="16200000" flipH="1">
+            <a:off x="1111479" y="2004253"/>
+            <a:ext cx="540234" cy="174674"/>
+          </a:xfrm>
+          <a:prstGeom prst="bentConnector2">
+            <a:avLst/>
+          </a:prstGeom>
+          <a:ln w="19050">
+            <a:solidFill>
+              <a:srgbClr val="00B050"/>
+            </a:solidFill>
+            <a:headEnd type="none" w="med" len="med"/>
+            <a:tailEnd type="arrow" w="med" len="med"/>
+          </a:ln>
+          <a:effectLst/>
+        </p:spPr>
+        <p:style>
+          <a:lnRef idx="1">
+            <a:schemeClr val="accent2"/>
+          </a:lnRef>
+          <a:fillRef idx="2">
+            <a:schemeClr val="accent2"/>
+          </a:fillRef>
+          <a:effectRef idx="1">
+            <a:schemeClr val="accent2"/>
+          </a:effectRef>
+          <a:fontRef idx="minor">
+            <a:schemeClr val="dk1"/>
+          </a:fontRef>
+        </p:style>
+      </p:cxnSp>
+      <p:cxnSp>
+        <p:nvCxnSpPr>
+          <p:cNvPr id="108" name="Elbow Connector 63">
+            <a:extLst>
+              <a:ext uri="{FF2B5EF4-FFF2-40B4-BE49-F238E27FC236}">
+                <a16:creationId xmlns:a16="http://schemas.microsoft.com/office/drawing/2014/main" id="{44CBBDB7-C303-4BF0-8C32-4C4D82E53AAB}"/>
+              </a:ext>
+            </a:extLst>
+          </p:cNvPr>
+          <p:cNvCxnSpPr>
+            <a:cxnSpLocks/>
+          </p:cNvCxnSpPr>
+          <p:nvPr/>
+        </p:nvCxnSpPr>
+        <p:spPr>
+          <a:xfrm rot="16200000" flipH="1">
+            <a:off x="1010857" y="3019276"/>
+            <a:ext cx="741478" cy="174674"/>
+          </a:xfrm>
+          <a:prstGeom prst="bentConnector2">
+            <a:avLst/>
+          </a:prstGeom>
+          <a:ln w="19050">
+            <a:solidFill>
+              <a:srgbClr val="00B050"/>
+            </a:solidFill>
+            <a:headEnd type="none" w="med" len="med"/>
+            <a:tailEnd type="arrow" w="med" len="med"/>
+          </a:ln>
+          <a:effectLst/>
+        </p:spPr>
+        <p:style>
+          <a:lnRef idx="1">
+            <a:schemeClr val="accent2"/>
+          </a:lnRef>
+          <a:fillRef idx="2">
+            <a:schemeClr val="accent2"/>
+          </a:fillRef>
+          <a:effectRef idx="1">
+            <a:schemeClr val="accent2"/>
+          </a:effectRef>
+          <a:fontRef idx="minor">
+            <a:schemeClr val="dk1"/>
+          </a:fontRef>
+        </p:style>
+      </p:cxnSp>
+      <p:sp>
+        <p:nvSpPr>
+          <p:cNvPr id="109" name="Rectangle 11">
+            <a:extLst>
+              <a:ext uri="{FF2B5EF4-FFF2-40B4-BE49-F238E27FC236}">
+                <a16:creationId xmlns:a16="http://schemas.microsoft.com/office/drawing/2014/main" id="{AA1E1323-3255-4368-B9CF-76EF7B33C7DD}"/>
+              </a:ext>
+            </a:extLst>
+          </p:cNvPr>
+          <p:cNvSpPr/>
+          <p:nvPr/>
+        </p:nvSpPr>
+        <p:spPr>
+          <a:xfrm>
+            <a:off x="1468933" y="3345473"/>
+            <a:ext cx="1202122" cy="236841"/>
+          </a:xfrm>
+          <a:prstGeom prst="rect">
+            <a:avLst/>
+          </a:prstGeom>
+          <a:ln w="19050">
+            <a:solidFill>
+              <a:schemeClr val="accent3"/>
+            </a:solidFill>
+          </a:ln>
+          <a:effectLst/>
+        </p:spPr>
+        <p:style>
+          <a:lnRef idx="1">
+            <a:schemeClr val="accent3"/>
+          </a:lnRef>
+          <a:fillRef idx="2">
+            <a:schemeClr val="accent3"/>
+          </a:fillRef>
+          <a:effectRef idx="1">
+            <a:schemeClr val="accent3"/>
+          </a:effectRef>
+          <a:fontRef idx="minor">
+            <a:schemeClr val="dk1"/>
+          </a:fontRef>
+        </p:style>
+        <p:txBody>
+          <a:bodyPr rtlCol="0" anchor="ctr"/>
+          <a:lstStyle/>
+          <a:p>
+            <a:pPr algn="ctr"/>
+            <a:r>
+              <a:rPr lang="en-US" sz="1200" b="1" dirty="0">
+                <a:solidFill>
+                  <a:schemeClr val="accent3">
+                    <a:lumMod val="75000"/>
+                  </a:schemeClr>
+                </a:solidFill>
+              </a:rPr>
+              <a:t>Calendar</a:t>
+            </a:r>
+            <a:endParaRPr lang="en-SG" sz="1200" b="1" dirty="0">
+              <a:solidFill>
+                <a:schemeClr val="accent3">
+                  <a:lumMod val="75000"/>
+                </a:schemeClr>
+              </a:solidFill>
+            </a:endParaRPr>
+          </a:p>
+        </p:txBody>
+      </p:sp>
+      <p:cxnSp>
+        <p:nvCxnSpPr>
+          <p:cNvPr id="113" name="Straight Connector 112">
+            <a:extLst>
+              <a:ext uri="{FF2B5EF4-FFF2-40B4-BE49-F238E27FC236}">
+                <a16:creationId xmlns:a16="http://schemas.microsoft.com/office/drawing/2014/main" id="{1B263316-D128-4467-A31A-4707870B6A3B}"/>
+              </a:ext>
+            </a:extLst>
+          </p:cNvPr>
+          <p:cNvCxnSpPr/>
+          <p:nvPr/>
+        </p:nvCxnSpPr>
+        <p:spPr>
+          <a:xfrm>
+            <a:off x="1009785" y="1564966"/>
+            <a:ext cx="0" cy="1695374"/>
+          </a:xfrm>
+          <a:prstGeom prst="line">
+            <a:avLst/>
+          </a:prstGeom>
+          <a:ln w="19050">
+            <a:solidFill>
+              <a:srgbClr val="00B050"/>
+            </a:solidFill>
+            <a:prstDash val="sysDash"/>
+          </a:ln>
+          <a:effectLst/>
+        </p:spPr>
+        <p:style>
+          <a:lnRef idx="1">
+            <a:schemeClr val="accent1"/>
+          </a:lnRef>
+          <a:fillRef idx="2">
+            <a:schemeClr val="accent1"/>
+          </a:fillRef>
+          <a:effectRef idx="1">
+            <a:schemeClr val="accent1"/>
+          </a:effectRef>
+          <a:fontRef idx="minor">
+            <a:schemeClr val="dk1"/>
+          </a:fontRef>
+        </p:style>
+      </p:cxnSp>
+      <p:sp>
+        <p:nvSpPr>
+          <p:cNvPr id="114" name="Rectangle 113">
+            <a:extLst>
+              <a:ext uri="{FF2B5EF4-FFF2-40B4-BE49-F238E27FC236}">
+                <a16:creationId xmlns:a16="http://schemas.microsoft.com/office/drawing/2014/main" id="{CC4DB18E-2E6E-4820-B668-58BE4EDDC454}"/>
+              </a:ext>
+            </a:extLst>
+          </p:cNvPr>
+          <p:cNvSpPr/>
+          <p:nvPr/>
+        </p:nvSpPr>
+        <p:spPr>
+          <a:xfrm>
+            <a:off x="947859" y="1968099"/>
+            <a:ext cx="159200" cy="4127901"/>
+          </a:xfrm>
+          <a:prstGeom prst="rect">
+            <a:avLst/>
+          </a:prstGeom>
+          <a:solidFill>
+            <a:srgbClr val="00B050"/>
+          </a:solidFill>
+          <a:ln>
+            <a:noFill/>
+          </a:ln>
+          <a:effectLst/>
+        </p:spPr>
+        <p:style>
+          <a:lnRef idx="1">
+            <a:schemeClr val="accent3"/>
+          </a:lnRef>
+          <a:fillRef idx="2">
+            <a:schemeClr val="accent3"/>
+          </a:fillRef>
+          <a:effectRef idx="1">
+            <a:schemeClr val="accent3"/>
+          </a:effectRef>
+          <a:fontRef idx="minor">
+            <a:schemeClr val="dk1"/>
+          </a:fontRef>
+        </p:style>
+        <p:txBody>
+          <a:bodyPr rtlCol="0" anchor="ctr"/>
+          <a:lstStyle/>
+          <a:p>
+            <a:pPr algn="ctr"/>
+            <a:endParaRPr lang="en-SG" sz="1400"/>
+          </a:p>
+        </p:txBody>
+      </p:sp>
+      <p:cxnSp>
+        <p:nvCxnSpPr>
+          <p:cNvPr id="118" name="Connector: Elbow 117">
+            <a:extLst>
+              <a:ext uri="{FF2B5EF4-FFF2-40B4-BE49-F238E27FC236}">
+                <a16:creationId xmlns:a16="http://schemas.microsoft.com/office/drawing/2014/main" id="{29484FA1-F2B4-495E-BE2B-E88E48DB9CA6}"/>
+              </a:ext>
+            </a:extLst>
+          </p:cNvPr>
+          <p:cNvCxnSpPr>
+            <a:cxnSpLocks/>
+            <a:endCxn id="109" idx="2"/>
+          </p:cNvCxnSpPr>
+          <p:nvPr/>
+        </p:nvCxnSpPr>
+        <p:spPr>
+          <a:xfrm flipV="1">
+            <a:off x="1227126" y="3582314"/>
+            <a:ext cx="842868" cy="788900"/>
+          </a:xfrm>
+          <a:prstGeom prst="bentConnector2">
+            <a:avLst/>
+          </a:prstGeom>
+          <a:ln>
+            <a:solidFill>
+              <a:srgbClr val="00B050"/>
+            </a:solidFill>
+            <a:prstDash val="solid"/>
+            <a:tailEnd type="triangle"/>
+          </a:ln>
+        </p:spPr>
+        <p:style>
+          <a:lnRef idx="1">
+            <a:schemeClr val="accent1"/>
+          </a:lnRef>
+          <a:fillRef idx="0">
+            <a:schemeClr val="accent1"/>
+          </a:fillRef>
+          <a:effectRef idx="0">
+            <a:schemeClr val="accent1"/>
+          </a:effectRef>
+          <a:fontRef idx="minor">
+            <a:schemeClr val="tx1"/>
+          </a:fontRef>
+        </p:style>
+      </p:cxnSp>
+      <p:sp>
+        <p:nvSpPr>
+          <p:cNvPr id="119" name="TextBox 118">
+            <a:extLst>
+              <a:ext uri="{FF2B5EF4-FFF2-40B4-BE49-F238E27FC236}">
+                <a16:creationId xmlns:a16="http://schemas.microsoft.com/office/drawing/2014/main" id="{28016D96-8EF5-4902-8DCD-71B40FD1C24F}"/>
+              </a:ext>
+            </a:extLst>
+          </p:cNvPr>
+          <p:cNvSpPr txBox="1"/>
+          <p:nvPr/>
+        </p:nvSpPr>
+        <p:spPr>
+          <a:xfrm>
+            <a:off x="1815822" y="3938520"/>
+            <a:ext cx="2338692" cy="184666"/>
+          </a:xfrm>
+          <a:prstGeom prst="rect">
+            <a:avLst/>
+          </a:prstGeom>
+          <a:noFill/>
+        </p:spPr>
+        <p:txBody>
+          <a:bodyPr wrap="square" lIns="0" tIns="0" rIns="0" bIns="0" rtlCol="0">
+            <a:spAutoFit/>
+          </a:bodyPr>
+          <a:lstStyle>
+            <a:defPPr>
+              <a:defRPr lang="en-US"/>
+            </a:defPPr>
+            <a:lvl1pPr algn="r">
+              <a:defRPr sz="1400">
+                <a:solidFill>
+                  <a:srgbClr val="0070C0"/>
+                </a:solidFill>
+              </a:defRPr>
+            </a:lvl1pPr>
+          </a:lstStyle>
+          <a:p>
+            <a:r>
+              <a:rPr lang="en-US" sz="1200" dirty="0" err="1">
+                <a:solidFill>
+                  <a:srgbClr val="00B050"/>
+                </a:solidFill>
+              </a:rPr>
+              <a:t>setEntry</a:t>
+            </a:r>
+            <a:r>
+              <a:rPr lang="en-US" sz="1200" dirty="0">
+                <a:solidFill>
+                  <a:srgbClr val="00B050"/>
+                </a:solidFill>
+              </a:rPr>
+              <a:t>(date, status, </a:t>
+            </a:r>
+            <a:r>
+              <a:rPr lang="en-US" sz="1200" dirty="0" err="1">
+                <a:solidFill>
+                  <a:srgbClr val="00B050"/>
+                </a:solidFill>
+              </a:rPr>
+              <a:t>caseName</a:t>
+            </a:r>
+            <a:r>
+              <a:rPr lang="en-US" sz="1200" dirty="0">
+                <a:solidFill>
+                  <a:srgbClr val="00B050"/>
+                </a:solidFill>
+              </a:rPr>
+              <a:t>)</a:t>
+            </a:r>
+          </a:p>
+        </p:txBody>
+      </p:sp>
+      <p:cxnSp>
+        <p:nvCxnSpPr>
+          <p:cNvPr id="134" name="Connector: Elbow 133">
+            <a:extLst>
+              <a:ext uri="{FF2B5EF4-FFF2-40B4-BE49-F238E27FC236}">
+                <a16:creationId xmlns:a16="http://schemas.microsoft.com/office/drawing/2014/main" id="{ED7D8201-7F0F-4F45-8350-0C78FA149F31}"/>
+              </a:ext>
+            </a:extLst>
+          </p:cNvPr>
+          <p:cNvCxnSpPr>
+            <a:cxnSpLocks/>
+            <a:stCxn id="109" idx="3"/>
+          </p:cNvCxnSpPr>
+          <p:nvPr/>
+        </p:nvCxnSpPr>
+        <p:spPr>
+          <a:xfrm flipH="1" flipV="1">
+            <a:off x="2418016" y="2861288"/>
+            <a:ext cx="253039" cy="602606"/>
+          </a:xfrm>
+          <a:prstGeom prst="bentConnector4">
+            <a:avLst>
+              <a:gd name="adj1" fmla="val -90342"/>
+              <a:gd name="adj2" fmla="val 59826"/>
+            </a:avLst>
+          </a:prstGeom>
+          <a:ln>
+            <a:solidFill>
+              <a:srgbClr val="00B050"/>
+            </a:solidFill>
+            <a:tailEnd type="triangle"/>
+          </a:ln>
+        </p:spPr>
+        <p:style>
+          <a:lnRef idx="1">
+            <a:schemeClr val="accent1"/>
+          </a:lnRef>
+          <a:fillRef idx="0">
+            <a:schemeClr val="accent1"/>
+          </a:fillRef>
+          <a:effectRef idx="0">
+            <a:schemeClr val="accent1"/>
+          </a:effectRef>
+          <a:fontRef idx="minor">
+            <a:schemeClr val="tx1"/>
+          </a:fontRef>
+        </p:style>
+      </p:cxnSp>
+      <p:sp>
+        <p:nvSpPr>
+          <p:cNvPr id="136" name="TextBox 135">
+            <a:extLst>
+              <a:ext uri="{FF2B5EF4-FFF2-40B4-BE49-F238E27FC236}">
+                <a16:creationId xmlns:a16="http://schemas.microsoft.com/office/drawing/2014/main" id="{8BAB8732-B1AA-4EE5-B33A-B99639959320}"/>
+              </a:ext>
+            </a:extLst>
+          </p:cNvPr>
+          <p:cNvSpPr txBox="1"/>
+          <p:nvPr/>
+        </p:nvSpPr>
+        <p:spPr>
+          <a:xfrm>
+            <a:off x="2760569" y="3228766"/>
+            <a:ext cx="1123886" cy="184666"/>
+          </a:xfrm>
+          <a:prstGeom prst="rect">
+            <a:avLst/>
+          </a:prstGeom>
+          <a:noFill/>
+        </p:spPr>
+        <p:txBody>
+          <a:bodyPr wrap="square" lIns="0" tIns="0" rIns="0" bIns="0" rtlCol="0">
+            <a:spAutoFit/>
+          </a:bodyPr>
+          <a:lstStyle>
+            <a:defPPr>
+              <a:defRPr lang="en-US"/>
+            </a:defPPr>
+            <a:lvl1pPr algn="r">
+              <a:defRPr sz="1400">
+                <a:solidFill>
+                  <a:srgbClr val="0070C0"/>
+                </a:solidFill>
+              </a:defRPr>
+            </a:lvl1pPr>
+          </a:lstStyle>
+          <a:p>
+            <a:r>
+              <a:rPr lang="en-US" sz="1200" dirty="0" err="1">
+                <a:solidFill>
+                  <a:srgbClr val="00B050"/>
+                </a:solidFill>
+              </a:rPr>
+              <a:t>addCalendars</a:t>
+            </a:r>
+            <a:r>
+              <a:rPr lang="en-US" sz="1200" dirty="0">
+                <a:solidFill>
+                  <a:srgbClr val="00B050"/>
+                </a:solidFill>
+              </a:rPr>
+              <a:t>()</a:t>
+            </a:r>
+          </a:p>
+        </p:txBody>
+      </p:sp>
+      <p:cxnSp>
+        <p:nvCxnSpPr>
+          <p:cNvPr id="143" name="Connector: Elbow 142">
+            <a:extLst>
+              <a:ext uri="{FF2B5EF4-FFF2-40B4-BE49-F238E27FC236}">
+                <a16:creationId xmlns:a16="http://schemas.microsoft.com/office/drawing/2014/main" id="{63C5CB6C-913A-48D1-BF2B-18802D5E778B}"/>
+              </a:ext>
+            </a:extLst>
+          </p:cNvPr>
+          <p:cNvCxnSpPr>
+            <a:stCxn id="95" idx="3"/>
+            <a:endCxn id="96" idx="3"/>
+          </p:cNvCxnSpPr>
+          <p:nvPr/>
+        </p:nvCxnSpPr>
+        <p:spPr>
+          <a:xfrm flipV="1">
+            <a:off x="2732982" y="1992743"/>
+            <a:ext cx="12700" cy="773879"/>
+          </a:xfrm>
+          <a:prstGeom prst="bentConnector3">
+            <a:avLst>
+              <a:gd name="adj1" fmla="val 9133331"/>
+            </a:avLst>
+          </a:prstGeom>
+          <a:ln>
+            <a:solidFill>
+              <a:srgbClr val="00B050"/>
+            </a:solidFill>
+            <a:tailEnd type="triangle"/>
+          </a:ln>
+        </p:spPr>
+        <p:style>
+          <a:lnRef idx="1">
+            <a:schemeClr val="accent1"/>
+          </a:lnRef>
+          <a:fillRef idx="0">
+            <a:schemeClr val="accent1"/>
+          </a:fillRef>
+          <a:effectRef idx="0">
+            <a:schemeClr val="accent1"/>
+          </a:effectRef>
+          <a:fontRef idx="minor">
+            <a:schemeClr val="tx1"/>
+          </a:fontRef>
+        </p:style>
+      </p:cxnSp>
+      <p:sp>
+        <p:nvSpPr>
+          <p:cNvPr id="145" name="TextBox 144">
+            <a:extLst>
+              <a:ext uri="{FF2B5EF4-FFF2-40B4-BE49-F238E27FC236}">
+                <a16:creationId xmlns:a16="http://schemas.microsoft.com/office/drawing/2014/main" id="{C7D64629-0371-48EA-B32A-C969BA2702BB}"/>
+              </a:ext>
+            </a:extLst>
+          </p:cNvPr>
+          <p:cNvSpPr txBox="1"/>
+          <p:nvPr/>
+        </p:nvSpPr>
+        <p:spPr>
+          <a:xfrm>
+            <a:off x="3769848" y="2231604"/>
+            <a:ext cx="1481231" cy="184666"/>
+          </a:xfrm>
+          <a:prstGeom prst="rect">
+            <a:avLst/>
+          </a:prstGeom>
+          <a:noFill/>
+        </p:spPr>
+        <p:txBody>
+          <a:bodyPr wrap="square" lIns="0" tIns="0" rIns="0" bIns="0" rtlCol="0">
+            <a:spAutoFit/>
+          </a:bodyPr>
+          <a:lstStyle>
+            <a:defPPr>
+              <a:defRPr lang="en-US"/>
+            </a:defPPr>
+            <a:lvl1pPr algn="r">
+              <a:defRPr sz="1400">
+                <a:solidFill>
+                  <a:srgbClr val="0070C0"/>
+                </a:solidFill>
+              </a:defRPr>
+            </a:lvl1pPr>
+          </a:lstStyle>
+          <a:p>
+            <a:r>
+              <a:rPr lang="en-US" sz="1200" dirty="0" err="1">
+                <a:solidFill>
+                  <a:srgbClr val="00B050"/>
+                </a:solidFill>
+              </a:rPr>
+              <a:t>addCalendarSource</a:t>
+            </a:r>
+            <a:r>
+              <a:rPr lang="en-US" sz="1200" dirty="0">
+                <a:solidFill>
+                  <a:srgbClr val="00B050"/>
+                </a:solidFill>
+              </a:rPr>
+              <a:t>()</a:t>
+            </a:r>
+          </a:p>
+        </p:txBody>
+      </p:sp>
+      <p:sp>
+        <p:nvSpPr>
+          <p:cNvPr id="148" name="Rectangle 62">
+            <a:extLst>
+              <a:ext uri="{FF2B5EF4-FFF2-40B4-BE49-F238E27FC236}">
+                <a16:creationId xmlns:a16="http://schemas.microsoft.com/office/drawing/2014/main" id="{2F1EF161-B1C8-4177-BF8C-8BA7755F089E}"/>
+              </a:ext>
+            </a:extLst>
+          </p:cNvPr>
+          <p:cNvSpPr/>
+          <p:nvPr/>
+        </p:nvSpPr>
+        <p:spPr>
+          <a:xfrm>
+            <a:off x="6651932" y="4123186"/>
+            <a:ext cx="1371600" cy="346760"/>
+          </a:xfrm>
+          <a:prstGeom prst="rect">
+            <a:avLst/>
+          </a:prstGeom>
+          <a:solidFill>
+            <a:srgbClr val="93CDDD"/>
+          </a:solidFill>
+          <a:ln w="19050">
+            <a:solidFill>
+              <a:srgbClr val="BCE0EA"/>
+            </a:solidFill>
+          </a:ln>
+          <a:effectLst/>
+        </p:spPr>
+        <p:style>
+          <a:lnRef idx="1">
+            <a:schemeClr val="accent2"/>
+          </a:lnRef>
+          <a:fillRef idx="2">
+            <a:schemeClr val="accent2"/>
+          </a:fillRef>
+          <a:effectRef idx="1">
+            <a:schemeClr val="accent2"/>
+          </a:effectRef>
+          <a:fontRef idx="minor">
+            <a:schemeClr val="dk1"/>
+          </a:fontRef>
+        </p:style>
+        <p:txBody>
+          <a:bodyPr rtlCol="0" anchor="ctr"/>
+          <a:lstStyle/>
+          <a:p>
+            <a:pPr algn="ctr"/>
+            <a:r>
+              <a:rPr lang="en-US" sz="1600" dirty="0">
+                <a:solidFill>
+                  <a:schemeClr val="bg1"/>
+                </a:solidFill>
+              </a:rPr>
+              <a:t>:</a:t>
+            </a:r>
+            <a:r>
+              <a:rPr lang="en-US" sz="1600" dirty="0" err="1">
+                <a:solidFill>
+                  <a:schemeClr val="bg1"/>
+                </a:solidFill>
+              </a:rPr>
+              <a:t>EventsCenter</a:t>
+            </a:r>
+            <a:endParaRPr lang="en-SG" sz="1600" dirty="0">
+              <a:solidFill>
+                <a:schemeClr val="bg1"/>
+              </a:solidFill>
+            </a:endParaRPr>
+          </a:p>
+        </p:txBody>
+      </p:sp>
+      <p:cxnSp>
+        <p:nvCxnSpPr>
+          <p:cNvPr id="149" name="Straight Connector 148">
+            <a:extLst>
+              <a:ext uri="{FF2B5EF4-FFF2-40B4-BE49-F238E27FC236}">
+                <a16:creationId xmlns:a16="http://schemas.microsoft.com/office/drawing/2014/main" id="{99CC6D45-7F1E-4F4F-B58A-32F3257AFBC3}"/>
+              </a:ext>
+            </a:extLst>
+          </p:cNvPr>
+          <p:cNvCxnSpPr/>
+          <p:nvPr/>
+        </p:nvCxnSpPr>
+        <p:spPr>
+          <a:xfrm>
+            <a:off x="7333540" y="4410769"/>
+            <a:ext cx="0" cy="1723059"/>
+          </a:xfrm>
+          <a:prstGeom prst="line">
+            <a:avLst/>
+          </a:prstGeom>
+          <a:ln w="19050">
+            <a:solidFill>
+              <a:srgbClr val="93CDDD"/>
+            </a:solidFill>
+            <a:prstDash val="sysDash"/>
+          </a:ln>
+          <a:effectLst/>
+        </p:spPr>
+        <p:style>
+          <a:lnRef idx="1">
+            <a:schemeClr val="accent1"/>
+          </a:lnRef>
+          <a:fillRef idx="2">
+            <a:schemeClr val="accent1"/>
+          </a:fillRef>
+          <a:effectRef idx="1">
+            <a:schemeClr val="accent1"/>
+          </a:effectRef>
+          <a:fontRef idx="minor">
+            <a:schemeClr val="dk1"/>
+          </a:fontRef>
+        </p:style>
+      </p:cxnSp>
+      <p:sp>
+        <p:nvSpPr>
+          <p:cNvPr id="150" name="Rectangle 149">
+            <a:extLst>
+              <a:ext uri="{FF2B5EF4-FFF2-40B4-BE49-F238E27FC236}">
+                <a16:creationId xmlns:a16="http://schemas.microsoft.com/office/drawing/2014/main" id="{B47C394F-0F13-45A7-B5A8-2F8AA37E38EE}"/>
+              </a:ext>
+            </a:extLst>
+          </p:cNvPr>
+          <p:cNvSpPr/>
+          <p:nvPr/>
+        </p:nvSpPr>
+        <p:spPr>
+          <a:xfrm>
+            <a:off x="7249858" y="5523146"/>
+            <a:ext cx="142006" cy="176787"/>
+          </a:xfrm>
+          <a:prstGeom prst="rect">
+            <a:avLst/>
+          </a:prstGeom>
+          <a:solidFill>
+            <a:srgbClr val="93CDDD"/>
+          </a:solidFill>
+          <a:ln>
+            <a:solidFill>
+              <a:srgbClr val="93CDDD"/>
+            </a:solidFill>
+          </a:ln>
+          <a:effectLst/>
+        </p:spPr>
+        <p:style>
+          <a:lnRef idx="1">
+            <a:schemeClr val="accent3"/>
+          </a:lnRef>
+          <a:fillRef idx="2">
+            <a:schemeClr val="accent3"/>
+          </a:fillRef>
+          <a:effectRef idx="1">
+            <a:schemeClr val="accent3"/>
+          </a:effectRef>
+          <a:fontRef idx="minor">
+            <a:schemeClr val="dk1"/>
+          </a:fontRef>
+        </p:style>
+        <p:txBody>
+          <a:bodyPr rtlCol="0" anchor="ctr"/>
+          <a:lstStyle/>
+          <a:p>
+            <a:pPr algn="ctr"/>
+            <a:endParaRPr lang="en-SG" sz="1400">
+              <a:solidFill>
+                <a:schemeClr val="dk1"/>
+              </a:solidFill>
+            </a:endParaRPr>
+          </a:p>
+        </p:txBody>
+      </p:sp>
+      <p:cxnSp>
+        <p:nvCxnSpPr>
+          <p:cNvPr id="152" name="Straight Arrow Connector 151">
+            <a:extLst>
+              <a:ext uri="{FF2B5EF4-FFF2-40B4-BE49-F238E27FC236}">
+                <a16:creationId xmlns:a16="http://schemas.microsoft.com/office/drawing/2014/main" id="{E094747B-4144-43B0-AB1D-A5F0C3CD1A30}"/>
+              </a:ext>
+            </a:extLst>
+          </p:cNvPr>
+          <p:cNvCxnSpPr>
+            <a:cxnSpLocks/>
+          </p:cNvCxnSpPr>
+          <p:nvPr/>
+        </p:nvCxnSpPr>
+        <p:spPr>
+          <a:xfrm flipH="1" flipV="1">
+            <a:off x="1262166" y="5656230"/>
+            <a:ext cx="6071374" cy="12142"/>
+          </a:xfrm>
+          <a:prstGeom prst="straightConnector1">
+            <a:avLst/>
+          </a:prstGeom>
+          <a:ln w="28575">
+            <a:solidFill>
+              <a:srgbClr val="93CDDD"/>
+            </a:solidFill>
+            <a:prstDash val="sysDash"/>
+            <a:tailEnd type="triangle"/>
+          </a:ln>
+        </p:spPr>
+        <p:style>
+          <a:lnRef idx="1">
+            <a:schemeClr val="accent1"/>
+          </a:lnRef>
+          <a:fillRef idx="0">
+            <a:schemeClr val="accent1"/>
+          </a:fillRef>
+          <a:effectRef idx="0">
+            <a:schemeClr val="accent1"/>
+          </a:effectRef>
+          <a:fontRef idx="minor">
+            <a:schemeClr val="tx1"/>
+          </a:fontRef>
+        </p:style>
+      </p:cxnSp>
+      <p:sp>
+        <p:nvSpPr>
+          <p:cNvPr id="154" name="Rectangle 153">
+            <a:extLst>
+              <a:ext uri="{FF2B5EF4-FFF2-40B4-BE49-F238E27FC236}">
+                <a16:creationId xmlns:a16="http://schemas.microsoft.com/office/drawing/2014/main" id="{04A69E6E-F3E7-4770-83C6-E99F491F491B}"/>
+              </a:ext>
+            </a:extLst>
+          </p:cNvPr>
+          <p:cNvSpPr/>
+          <p:nvPr/>
+        </p:nvSpPr>
+        <p:spPr>
+          <a:xfrm>
+            <a:off x="1093741" y="5181541"/>
+            <a:ext cx="168424" cy="575038"/>
+          </a:xfrm>
+          <a:prstGeom prst="rect">
+            <a:avLst/>
+          </a:prstGeom>
+          <a:solidFill>
+            <a:srgbClr val="00B050"/>
+          </a:solidFill>
+          <a:ln>
+            <a:noFill/>
+          </a:ln>
+          <a:effectLst/>
+        </p:spPr>
+        <p:style>
+          <a:lnRef idx="1">
+            <a:schemeClr val="accent3"/>
+          </a:lnRef>
+          <a:fillRef idx="2">
+            <a:schemeClr val="accent3"/>
+          </a:fillRef>
+          <a:effectRef idx="1">
+            <a:schemeClr val="accent3"/>
+          </a:effectRef>
+          <a:fontRef idx="minor">
+            <a:schemeClr val="dk1"/>
+          </a:fontRef>
+        </p:style>
+        <p:txBody>
+          <a:bodyPr rtlCol="0" anchor="ctr"/>
+          <a:lstStyle/>
+          <a:p>
+            <a:pPr algn="ctr"/>
+            <a:endParaRPr lang="en-SG" sz="1400"/>
+          </a:p>
+        </p:txBody>
+      </p:sp>
+      <p:sp>
+        <p:nvSpPr>
+          <p:cNvPr id="155" name="TextBox 154">
+            <a:extLst>
+              <a:ext uri="{FF2B5EF4-FFF2-40B4-BE49-F238E27FC236}">
+                <a16:creationId xmlns:a16="http://schemas.microsoft.com/office/drawing/2014/main" id="{9B68B7FB-D415-4959-BF91-6C838DFC9663}"/>
+              </a:ext>
+            </a:extLst>
+          </p:cNvPr>
+          <p:cNvSpPr txBox="1"/>
+          <p:nvPr/>
+        </p:nvSpPr>
+        <p:spPr>
+          <a:xfrm>
+            <a:off x="3062272" y="5216153"/>
+            <a:ext cx="2980532" cy="369332"/>
+          </a:xfrm>
+          <a:prstGeom prst="rect">
+            <a:avLst/>
+          </a:prstGeom>
+          <a:noFill/>
+        </p:spPr>
+        <p:txBody>
+          <a:bodyPr wrap="square" lIns="0" tIns="0" rIns="0" bIns="0" rtlCol="0">
+            <a:spAutoFit/>
+          </a:bodyPr>
+          <a:lstStyle/>
+          <a:p>
+            <a:r>
+              <a:rPr lang="en-US" sz="1200" dirty="0" err="1">
+                <a:solidFill>
+                  <a:srgbClr val="00B050"/>
+                </a:solidFill>
+              </a:rPr>
+              <a:t>handleInvestigapptorChangedEvent</a:t>
+            </a:r>
+            <a:r>
+              <a:rPr lang="en-US" sz="1200" dirty="0">
+                <a:solidFill>
+                  <a:srgbClr val="00B050"/>
+                </a:solidFill>
+              </a:rPr>
+              <a:t>()</a:t>
+            </a:r>
+          </a:p>
+          <a:p>
+            <a:r>
+              <a:rPr lang="en-US" sz="1200" dirty="0" err="1">
+                <a:solidFill>
+                  <a:srgbClr val="00B050"/>
+                </a:solidFill>
+              </a:rPr>
+              <a:t>handleFilteredCrimeCaseListChangedEvent</a:t>
+            </a:r>
+            <a:r>
+              <a:rPr lang="en-US" sz="1200" dirty="0">
+                <a:solidFill>
+                  <a:srgbClr val="00B050"/>
+                </a:solidFill>
+              </a:rPr>
+              <a:t>()</a:t>
+            </a:r>
+          </a:p>
+        </p:txBody>
+      </p:sp>
+      <p:sp>
+        <p:nvSpPr>
+          <p:cNvPr id="157" name="TextBox 156">
+            <a:extLst>
+              <a:ext uri="{FF2B5EF4-FFF2-40B4-BE49-F238E27FC236}">
+                <a16:creationId xmlns:a16="http://schemas.microsoft.com/office/drawing/2014/main" id="{6E47DEE9-873E-454D-815D-A89C6B2B6DDD}"/>
+              </a:ext>
+            </a:extLst>
+          </p:cNvPr>
+          <p:cNvSpPr txBox="1"/>
+          <p:nvPr/>
+        </p:nvSpPr>
+        <p:spPr>
+          <a:xfrm>
+            <a:off x="7526340" y="5242207"/>
+            <a:ext cx="2778120" cy="369332"/>
+          </a:xfrm>
+          <a:prstGeom prst="rect">
+            <a:avLst/>
+          </a:prstGeom>
+          <a:noFill/>
+        </p:spPr>
+        <p:txBody>
+          <a:bodyPr wrap="square" lIns="0" tIns="0" rIns="0" bIns="0" rtlCol="0">
+            <a:spAutoFit/>
+          </a:bodyPr>
+          <a:lstStyle>
+            <a:defPPr>
+              <a:defRPr lang="en-US"/>
+            </a:defPPr>
+            <a:lvl1pPr algn="r">
+              <a:defRPr sz="1400">
+                <a:solidFill>
+                  <a:srgbClr val="0070C0"/>
+                </a:solidFill>
+              </a:defRPr>
+            </a:lvl1pPr>
+          </a:lstStyle>
+          <a:p>
+            <a:pPr algn="l"/>
+            <a:r>
+              <a:rPr lang="en-US" sz="1200" dirty="0">
+                <a:solidFill>
+                  <a:srgbClr val="31859C"/>
+                </a:solidFill>
+              </a:rPr>
+              <a:t>raise(</a:t>
+            </a:r>
+            <a:r>
+              <a:rPr lang="en-US" sz="1200" dirty="0" err="1">
+                <a:solidFill>
+                  <a:srgbClr val="31859C"/>
+                </a:solidFill>
+              </a:rPr>
+              <a:t>InvestigapptorChangedEvent</a:t>
+            </a:r>
+            <a:r>
+              <a:rPr lang="en-US" sz="1200" dirty="0">
+                <a:solidFill>
+                  <a:srgbClr val="31859C"/>
+                </a:solidFill>
+              </a:rPr>
+              <a:t>)</a:t>
+            </a:r>
+          </a:p>
+          <a:p>
+            <a:pPr algn="l"/>
+            <a:r>
+              <a:rPr lang="en-US" sz="1200" dirty="0">
+                <a:solidFill>
+                  <a:srgbClr val="31859C"/>
+                </a:solidFill>
+              </a:rPr>
+              <a:t>raise(</a:t>
+            </a:r>
+            <a:r>
+              <a:rPr lang="en-US" sz="1200" dirty="0" err="1">
+                <a:solidFill>
+                  <a:srgbClr val="31859C"/>
+                </a:solidFill>
+              </a:rPr>
+              <a:t>FilteredCrimeCastListChangedEvent</a:t>
+            </a:r>
+            <a:r>
+              <a:rPr lang="en-US" sz="1200" dirty="0">
+                <a:solidFill>
+                  <a:srgbClr val="31859C"/>
+                </a:solidFill>
+              </a:rPr>
+              <a:t>)</a:t>
+            </a:r>
+          </a:p>
+        </p:txBody>
+      </p:sp>
+      <p:cxnSp>
+        <p:nvCxnSpPr>
+          <p:cNvPr id="162" name="Straight Arrow Connector 161">
+            <a:extLst>
+              <a:ext uri="{FF2B5EF4-FFF2-40B4-BE49-F238E27FC236}">
+                <a16:creationId xmlns:a16="http://schemas.microsoft.com/office/drawing/2014/main" id="{5C0CB7F0-D1E8-45BA-AB15-D5F4E2B9FF0E}"/>
+              </a:ext>
+            </a:extLst>
+          </p:cNvPr>
+          <p:cNvCxnSpPr>
+            <a:cxnSpLocks/>
+          </p:cNvCxnSpPr>
+          <p:nvPr/>
+        </p:nvCxnSpPr>
+        <p:spPr>
+          <a:xfrm flipH="1">
+            <a:off x="7387610" y="5656230"/>
+            <a:ext cx="1527790" cy="0"/>
+          </a:xfrm>
+          <a:prstGeom prst="straightConnector1">
+            <a:avLst/>
+          </a:prstGeom>
+          <a:ln w="28575">
+            <a:solidFill>
+              <a:srgbClr val="93CDDD"/>
+            </a:solidFill>
+            <a:prstDash val="solid"/>
+            <a:tailEnd type="triangle"/>
+          </a:ln>
+        </p:spPr>
+        <p:style>
+          <a:lnRef idx="1">
+            <a:schemeClr val="accent1"/>
+          </a:lnRef>
+          <a:fillRef idx="0">
+            <a:schemeClr val="accent1"/>
+          </a:fillRef>
+          <a:effectRef idx="0">
+            <a:schemeClr val="accent1"/>
+          </a:effectRef>
+          <a:fontRef idx="minor">
+            <a:schemeClr val="tx1"/>
+          </a:fontRef>
+        </p:style>
+      </p:cxnSp>
+      <p:grpSp>
+        <p:nvGrpSpPr>
+          <p:cNvPr id="170" name="Group 169">
+            <a:extLst>
+              <a:ext uri="{FF2B5EF4-FFF2-40B4-BE49-F238E27FC236}">
+                <a16:creationId xmlns:a16="http://schemas.microsoft.com/office/drawing/2014/main" id="{9E6866C0-086E-40B5-976D-12E90666BA7E}"/>
+              </a:ext>
+            </a:extLst>
+          </p:cNvPr>
+          <p:cNvGrpSpPr/>
+          <p:nvPr/>
+        </p:nvGrpSpPr>
+        <p:grpSpPr>
+          <a:xfrm rot="10800000">
+            <a:off x="1243050" y="4722918"/>
+            <a:ext cx="319746" cy="663652"/>
+            <a:chOff x="1028134" y="5612032"/>
+            <a:chExt cx="217349" cy="270072"/>
+          </a:xfrm>
+        </p:grpSpPr>
+        <p:sp>
+          <p:nvSpPr>
+            <p:cNvPr id="171" name="Freeform 11">
+              <a:extLst>
+                <a:ext uri="{FF2B5EF4-FFF2-40B4-BE49-F238E27FC236}">
+                  <a16:creationId xmlns:a16="http://schemas.microsoft.com/office/drawing/2014/main" id="{083DFA07-CEE4-42EF-AAFD-61142A6942BF}"/>
+                </a:ext>
+              </a:extLst>
+            </p:cNvPr>
+            <p:cNvSpPr/>
+            <p:nvPr/>
+          </p:nvSpPr>
+          <p:spPr>
+            <a:xfrm rot="2600998" flipH="1" flipV="1">
+              <a:off x="1028134" y="5612032"/>
+              <a:ext cx="167452" cy="116880"/>
+            </a:xfrm>
+            <a:custGeom>
+              <a:avLst/>
+              <a:gdLst>
+                <a:gd name="connsiteX0" fmla="*/ 0 w 226400"/>
+                <a:gd name="connsiteY0" fmla="*/ 32920 h 171466"/>
+                <a:gd name="connsiteX1" fmla="*/ 157018 w 226400"/>
+                <a:gd name="connsiteY1" fmla="*/ 5211 h 171466"/>
+                <a:gd name="connsiteX2" fmla="*/ 221673 w 226400"/>
+                <a:gd name="connsiteY2" fmla="*/ 125284 h 171466"/>
+                <a:gd name="connsiteX3" fmla="*/ 36945 w 226400"/>
+                <a:gd name="connsiteY3" fmla="*/ 171466 h 171466"/>
+              </a:gdLst>
+              <a:ahLst/>
+              <a:cxnLst>
+                <a:cxn ang="0">
+                  <a:pos x="connsiteX0" y="connsiteY0"/>
+                </a:cxn>
+                <a:cxn ang="0">
+                  <a:pos x="connsiteX1" y="connsiteY1"/>
+                </a:cxn>
+                <a:cxn ang="0">
+                  <a:pos x="connsiteX2" y="connsiteY2"/>
+                </a:cxn>
+                <a:cxn ang="0">
+                  <a:pos x="connsiteX3" y="connsiteY3"/>
+                </a:cxn>
+              </a:cxnLst>
+              <a:rect l="l" t="t" r="r" b="b"/>
+              <a:pathLst>
+                <a:path w="226400" h="171466">
+                  <a:moveTo>
+                    <a:pt x="0" y="32920"/>
+                  </a:moveTo>
+                  <a:cubicBezTo>
+                    <a:pt x="60036" y="11368"/>
+                    <a:pt x="120073" y="-10183"/>
+                    <a:pt x="157018" y="5211"/>
+                  </a:cubicBezTo>
+                  <a:cubicBezTo>
+                    <a:pt x="193963" y="20605"/>
+                    <a:pt x="241685" y="97575"/>
+                    <a:pt x="221673" y="125284"/>
+                  </a:cubicBezTo>
+                  <a:cubicBezTo>
+                    <a:pt x="201661" y="152993"/>
+                    <a:pt x="119303" y="162229"/>
+                    <a:pt x="36945" y="171466"/>
+                  </a:cubicBezTo>
+                </a:path>
+              </a:pathLst>
+            </a:custGeom>
+            <a:ln w="19050">
+              <a:solidFill>
+                <a:srgbClr val="00B050"/>
+              </a:solidFill>
+              <a:headEnd type="arrow" w="med" len="med"/>
+              <a:tailEnd type="none" w="med" len="med"/>
+            </a:ln>
+          </p:spPr>
+          <p:style>
+            <a:lnRef idx="1">
+              <a:schemeClr val="accent1"/>
+            </a:lnRef>
+            <a:fillRef idx="0">
+              <a:schemeClr val="accent1"/>
+            </a:fillRef>
+            <a:effectRef idx="0">
+              <a:schemeClr val="accent1"/>
+            </a:effectRef>
+            <a:fontRef idx="minor">
+              <a:schemeClr val="tx1"/>
+            </a:fontRef>
+          </p:style>
+          <p:txBody>
+            <a:bodyPr rtlCol="0" anchor="ctr"/>
+            <a:lstStyle/>
+            <a:p>
+              <a:pPr algn="ctr"/>
+              <a:endParaRPr lang="en-SG"/>
+            </a:p>
+          </p:txBody>
+        </p:sp>
+        <p:sp>
+          <p:nvSpPr>
+            <p:cNvPr id="172" name="Rectangle 171">
+              <a:extLst>
+                <a:ext uri="{FF2B5EF4-FFF2-40B4-BE49-F238E27FC236}">
+                  <a16:creationId xmlns:a16="http://schemas.microsoft.com/office/drawing/2014/main" id="{16C9A035-5074-4DB1-92D2-A5EFDE654435}"/>
+                </a:ext>
+              </a:extLst>
+            </p:cNvPr>
+            <p:cNvSpPr/>
+            <p:nvPr/>
+          </p:nvSpPr>
+          <p:spPr>
+            <a:xfrm>
+              <a:off x="1147403" y="5712513"/>
+              <a:ext cx="98080" cy="169591"/>
+            </a:xfrm>
+            <a:prstGeom prst="rect">
+              <a:avLst/>
+            </a:prstGeom>
+            <a:solidFill>
+              <a:srgbClr val="00B050"/>
+            </a:solidFill>
+            <a:ln>
+              <a:solidFill>
+                <a:schemeClr val="bg1"/>
+              </a:solidFill>
+            </a:ln>
+            <a:effectLst/>
+          </p:spPr>
+          <p:style>
+            <a:lnRef idx="1">
+              <a:schemeClr val="accent3"/>
+            </a:lnRef>
+            <a:fillRef idx="2">
+              <a:schemeClr val="accent3"/>
+            </a:fillRef>
+            <a:effectRef idx="1">
+              <a:schemeClr val="accent3"/>
+            </a:effectRef>
+            <a:fontRef idx="minor">
+              <a:schemeClr val="dk1"/>
+            </a:fontRef>
+          </p:style>
+          <p:txBody>
+            <a:bodyPr rtlCol="0" anchor="ctr"/>
+            <a:lstStyle/>
+            <a:p>
+              <a:pPr algn="ctr"/>
+              <a:endParaRPr lang="en-SG" sz="1400">
+                <a:solidFill>
+                  <a:schemeClr val="dk1"/>
+                </a:solidFill>
+              </a:endParaRPr>
+            </a:p>
+          </p:txBody>
+        </p:sp>
+      </p:grpSp>
+      <p:sp>
+        <p:nvSpPr>
+          <p:cNvPr id="173" name="TextBox 172">
+            <a:extLst>
+              <a:ext uri="{FF2B5EF4-FFF2-40B4-BE49-F238E27FC236}">
+                <a16:creationId xmlns:a16="http://schemas.microsoft.com/office/drawing/2014/main" id="{F44F91B9-7D47-4DFF-B0C3-DFC1F0A4EB56}"/>
+              </a:ext>
+            </a:extLst>
+          </p:cNvPr>
+          <p:cNvSpPr txBox="1"/>
+          <p:nvPr/>
+        </p:nvSpPr>
+        <p:spPr>
+          <a:xfrm>
+            <a:off x="1639658" y="5079351"/>
+            <a:ext cx="1301920" cy="323165"/>
+          </a:xfrm>
+          <a:prstGeom prst="rect">
+            <a:avLst/>
+          </a:prstGeom>
+          <a:noFill/>
+        </p:spPr>
+        <p:txBody>
+          <a:bodyPr wrap="square" lIns="0" tIns="0" rIns="0" bIns="0" rtlCol="0">
+            <a:spAutoFit/>
+          </a:bodyPr>
+          <a:lstStyle/>
+          <a:p>
+            <a:r>
+              <a:rPr lang="en-US" sz="1050" dirty="0">
+                <a:solidFill>
+                  <a:srgbClr val="00B050"/>
+                </a:solidFill>
+              </a:rPr>
+              <a:t>Update </a:t>
+            </a:r>
+            <a:r>
+              <a:rPr lang="en-US" sz="1050" dirty="0" err="1">
+                <a:solidFill>
+                  <a:srgbClr val="00B050"/>
+                </a:solidFill>
+              </a:rPr>
+              <a:t>filteredcrimecaselist</a:t>
+            </a:r>
+            <a:endParaRPr lang="en-US" sz="1050" dirty="0">
+              <a:solidFill>
+                <a:srgbClr val="00B050"/>
+              </a:solidFill>
+            </a:endParaRPr>
+          </a:p>
+        </p:txBody>
+      </p:sp>
+    </p:spTree>
+    <p:extLst>
+      <p:ext uri="{BB962C8B-B14F-4D97-AF65-F5344CB8AC3E}">
+        <p14:creationId xmlns:p14="http://schemas.microsoft.com/office/powerpoint/2010/main" val="1822343985"/>
       </p:ext>
     </p:extLst>
   </p:cSld>

--- a/docs/diagrams/UiComponentClassDiagram.pptx
+++ b/docs/diagrams/UiComponentClassDiagram.pptx
@@ -212,7 +212,7 @@
           <a:p>
             <a:fld id="{F5CC4B3F-88C1-4FFA-B1B6-F41C21DC6924}" type="datetimeFigureOut">
               <a:rPr lang="en-US" smtClean="0"/>
-              <a:t>4/5/2018</a:t>
+              <a:t>4/15/2018</a:t>
             </a:fld>
             <a:endParaRPr lang="en-US"/>
           </a:p>
@@ -658,7 +658,7 @@
           <a:p>
             <a:fld id="{78C97017-6FC3-485B-9764-EAC9E56C1D49}" type="datetimeFigureOut">
               <a:rPr lang="en-US" smtClean="0"/>
-              <a:t>4/5/2018</a:t>
+              <a:t>4/15/2018</a:t>
             </a:fld>
             <a:endParaRPr lang="en-US"/>
           </a:p>
@@ -826,7 +826,7 @@
           <a:p>
             <a:fld id="{78C97017-6FC3-485B-9764-EAC9E56C1D49}" type="datetimeFigureOut">
               <a:rPr lang="en-US" smtClean="0"/>
-              <a:t>4/5/2018</a:t>
+              <a:t>4/15/2018</a:t>
             </a:fld>
             <a:endParaRPr lang="en-US"/>
           </a:p>
@@ -1004,7 +1004,7 @@
           <a:p>
             <a:fld id="{78C97017-6FC3-485B-9764-EAC9E56C1D49}" type="datetimeFigureOut">
               <a:rPr lang="en-US" smtClean="0"/>
-              <a:t>4/5/2018</a:t>
+              <a:t>4/15/2018</a:t>
             </a:fld>
             <a:endParaRPr lang="en-US"/>
           </a:p>
@@ -1172,7 +1172,7 @@
           <a:p>
             <a:fld id="{78C97017-6FC3-485B-9764-EAC9E56C1D49}" type="datetimeFigureOut">
               <a:rPr lang="en-US" smtClean="0"/>
-              <a:t>4/5/2018</a:t>
+              <a:t>4/15/2018</a:t>
             </a:fld>
             <a:endParaRPr lang="en-US"/>
           </a:p>
@@ -1417,7 +1417,7 @@
           <a:p>
             <a:fld id="{78C97017-6FC3-485B-9764-EAC9E56C1D49}" type="datetimeFigureOut">
               <a:rPr lang="en-US" smtClean="0"/>
-              <a:t>4/5/2018</a:t>
+              <a:t>4/15/2018</a:t>
             </a:fld>
             <a:endParaRPr lang="en-US"/>
           </a:p>
@@ -1702,7 +1702,7 @@
           <a:p>
             <a:fld id="{78C97017-6FC3-485B-9764-EAC9E56C1D49}" type="datetimeFigureOut">
               <a:rPr lang="en-US" smtClean="0"/>
-              <a:t>4/5/2018</a:t>
+              <a:t>4/15/2018</a:t>
             </a:fld>
             <a:endParaRPr lang="en-US"/>
           </a:p>
@@ -2121,7 +2121,7 @@
           <a:p>
             <a:fld id="{78C97017-6FC3-485B-9764-EAC9E56C1D49}" type="datetimeFigureOut">
               <a:rPr lang="en-US" smtClean="0"/>
-              <a:t>4/5/2018</a:t>
+              <a:t>4/15/2018</a:t>
             </a:fld>
             <a:endParaRPr lang="en-US"/>
           </a:p>
@@ -2238,7 +2238,7 @@
           <a:p>
             <a:fld id="{78C97017-6FC3-485B-9764-EAC9E56C1D49}" type="datetimeFigureOut">
               <a:rPr lang="en-US" smtClean="0"/>
-              <a:t>4/5/2018</a:t>
+              <a:t>4/15/2018</a:t>
             </a:fld>
             <a:endParaRPr lang="en-US"/>
           </a:p>
@@ -2333,7 +2333,7 @@
           <a:p>
             <a:fld id="{78C97017-6FC3-485B-9764-EAC9E56C1D49}" type="datetimeFigureOut">
               <a:rPr lang="en-US" smtClean="0"/>
-              <a:t>4/5/2018</a:t>
+              <a:t>4/15/2018</a:t>
             </a:fld>
             <a:endParaRPr lang="en-US"/>
           </a:p>
@@ -2608,7 +2608,7 @@
           <a:p>
             <a:fld id="{78C97017-6FC3-485B-9764-EAC9E56C1D49}" type="datetimeFigureOut">
               <a:rPr lang="en-US" smtClean="0"/>
-              <a:t>4/5/2018</a:t>
+              <a:t>4/15/2018</a:t>
             </a:fld>
             <a:endParaRPr lang="en-US"/>
           </a:p>
@@ -2860,7 +2860,7 @@
           <a:p>
             <a:fld id="{78C97017-6FC3-485B-9764-EAC9E56C1D49}" type="datetimeFigureOut">
               <a:rPr lang="en-US" smtClean="0"/>
-              <a:t>4/5/2018</a:t>
+              <a:t>4/15/2018</a:t>
             </a:fld>
             <a:endParaRPr lang="en-US"/>
           </a:p>
@@ -3071,7 +3071,7 @@
           <a:p>
             <a:fld id="{78C97017-6FC3-485B-9764-EAC9E56C1D49}" type="datetimeFigureOut">
               <a:rPr lang="en-US" smtClean="0"/>
-              <a:t>4/5/2018</a:t>
+              <a:t>4/15/2018</a:t>
             </a:fld>
             <a:endParaRPr lang="en-US"/>
           </a:p>
@@ -3454,8 +3454,8 @@
         </p:nvSpPr>
         <p:spPr>
           <a:xfrm>
-            <a:off x="1227618" y="1440472"/>
-            <a:ext cx="4917083" cy="5029200"/>
+            <a:off x="562247" y="986151"/>
+            <a:ext cx="5450483" cy="5029200"/>
           </a:xfrm>
           <a:prstGeom prst="roundRect">
             <a:avLst>
@@ -3516,7 +3516,7 @@
         </p:nvSpPr>
         <p:spPr>
           <a:xfrm>
-            <a:off x="2095948" y="2341220"/>
+            <a:off x="2289106" y="1865696"/>
             <a:ext cx="1093635" cy="346760"/>
           </a:xfrm>
           <a:prstGeom prst="rect">
@@ -3576,7 +3576,7 @@
         </p:nvSpPr>
         <p:spPr>
           <a:xfrm>
-            <a:off x="2592528" y="2971800"/>
+            <a:off x="2785686" y="2496276"/>
             <a:ext cx="1093635" cy="236841"/>
           </a:xfrm>
           <a:prstGeom prst="rect">
@@ -3636,7 +3636,7 @@
         </p:nvSpPr>
         <p:spPr>
           <a:xfrm>
-            <a:off x="2092842" y="1770924"/>
+            <a:off x="2286000" y="1295400"/>
             <a:ext cx="1093635" cy="346760"/>
           </a:xfrm>
           <a:prstGeom prst="rect">
@@ -3698,7 +3698,7 @@
         </p:nvCxnSpPr>
         <p:spPr>
           <a:xfrm rot="16200000" flipH="1">
-            <a:off x="2529445" y="2227899"/>
+            <a:off x="2722603" y="1752375"/>
             <a:ext cx="223536" cy="3106"/>
           </a:xfrm>
           <a:prstGeom prst="bentConnector3">
@@ -3738,7 +3738,7 @@
         </p:nvSpPr>
         <p:spPr>
           <a:xfrm rot="10800000" flipV="1">
-            <a:off x="5394717" y="2110477"/>
+            <a:off x="5587875" y="1634953"/>
             <a:ext cx="270504" cy="175523"/>
           </a:xfrm>
           <a:prstGeom prst="triangle">
@@ -3786,7 +3786,7 @@
         </p:nvCxnSpPr>
         <p:spPr>
           <a:xfrm flipV="1">
-            <a:off x="644735" y="2991937"/>
+            <a:off x="560117" y="2542065"/>
             <a:ext cx="684904" cy="1"/>
           </a:xfrm>
           <a:prstGeom prst="bentConnector3">
@@ -3829,7 +3829,7 @@
         </p:nvSpPr>
         <p:spPr>
           <a:xfrm rot="16200000">
-            <a:off x="5703829" y="2464877"/>
+            <a:off x="5898650" y="2003229"/>
             <a:ext cx="2362201" cy="328045"/>
           </a:xfrm>
           <a:prstGeom prst="roundRect">
@@ -3889,7 +3889,7 @@
         </p:nvSpPr>
         <p:spPr>
           <a:xfrm>
-            <a:off x="2592528" y="3649359"/>
+            <a:off x="2785686" y="3173835"/>
             <a:ext cx="1093635" cy="236841"/>
           </a:xfrm>
           <a:prstGeom prst="rect">
@@ -3949,7 +3949,7 @@
         </p:nvSpPr>
         <p:spPr>
           <a:xfrm>
-            <a:off x="2564051" y="5326972"/>
+            <a:off x="2757209" y="4851448"/>
             <a:ext cx="1093635" cy="236841"/>
           </a:xfrm>
           <a:prstGeom prst="rect">
@@ -4009,7 +4009,7 @@
         </p:nvSpPr>
         <p:spPr>
           <a:xfrm>
-            <a:off x="2592526" y="3991960"/>
+            <a:off x="2785684" y="3516436"/>
             <a:ext cx="1093635" cy="236841"/>
           </a:xfrm>
           <a:prstGeom prst="rect">
@@ -4069,7 +4069,7 @@
         </p:nvSpPr>
         <p:spPr>
           <a:xfrm>
-            <a:off x="3839323" y="4228801"/>
+            <a:off x="4032481" y="3753277"/>
             <a:ext cx="1040906" cy="236841"/>
           </a:xfrm>
           <a:prstGeom prst="rect">
@@ -4129,7 +4129,7 @@
         </p:nvSpPr>
         <p:spPr>
           <a:xfrm>
-            <a:off x="2547514" y="6127860"/>
+            <a:off x="2740672" y="5652336"/>
             <a:ext cx="1093635" cy="236841"/>
           </a:xfrm>
           <a:prstGeom prst="rect">
@@ -4189,7 +4189,7 @@
         </p:nvSpPr>
         <p:spPr>
           <a:xfrm>
-            <a:off x="2324548" y="2706452"/>
+            <a:off x="2517706" y="2230928"/>
             <a:ext cx="183156" cy="161573"/>
           </a:xfrm>
           <a:prstGeom prst="flowChartDecision">
@@ -4240,7 +4240,7 @@
         </p:nvCxnSpPr>
         <p:spPr>
           <a:xfrm rot="16200000" flipH="1">
-            <a:off x="2393229" y="2890922"/>
+            <a:off x="2586387" y="2415398"/>
             <a:ext cx="222196" cy="176402"/>
           </a:xfrm>
           <a:prstGeom prst="bentConnector2">
@@ -4278,7 +4278,7 @@
         </p:nvSpPr>
         <p:spPr>
           <a:xfrm>
-            <a:off x="2590799" y="3304308"/>
+            <a:off x="2783957" y="2828784"/>
             <a:ext cx="1095361" cy="236841"/>
           </a:xfrm>
           <a:prstGeom prst="rect">
@@ -4341,7 +4341,7 @@
         </p:nvCxnSpPr>
         <p:spPr>
           <a:xfrm rot="16200000" flipH="1">
-            <a:off x="2054450" y="3229701"/>
+            <a:off x="2247608" y="2754177"/>
             <a:ext cx="899755" cy="176402"/>
           </a:xfrm>
           <a:prstGeom prst="bentConnector2">
@@ -4375,6 +4375,7 @@
         <p:nvCxnSpPr>
           <p:cNvPr id="47" name="Elbow Connector 63"/>
           <p:cNvCxnSpPr>
+            <a:cxnSpLocks/>
             <a:stCxn id="39" idx="2"/>
             <a:endCxn id="36" idx="1"/>
           </p:cNvCxnSpPr>
@@ -4382,7 +4383,7 @@
         </p:nvCxnSpPr>
         <p:spPr>
           <a:xfrm rot="16200000" flipH="1">
-            <a:off x="1883148" y="3401003"/>
+            <a:off x="2076306" y="2925479"/>
             <a:ext cx="1242356" cy="176400"/>
           </a:xfrm>
           <a:prstGeom prst="bentConnector2">
@@ -4423,7 +4424,7 @@
         </p:nvCxnSpPr>
         <p:spPr>
           <a:xfrm rot="16200000" flipH="1">
-            <a:off x="1613899" y="4495241"/>
+            <a:off x="1807057" y="4019717"/>
             <a:ext cx="1749760" cy="150544"/>
           </a:xfrm>
           <a:prstGeom prst="bentConnector2">
@@ -4464,7 +4465,7 @@
         </p:nvCxnSpPr>
         <p:spPr>
           <a:xfrm rot="16200000" flipH="1">
-            <a:off x="579419" y="4278185"/>
+            <a:off x="772577" y="3802661"/>
             <a:ext cx="3558299" cy="377892"/>
           </a:xfrm>
           <a:prstGeom prst="bentConnector2">
@@ -4502,7 +4503,7 @@
         </p:nvSpPr>
         <p:spPr>
           <a:xfrm>
-            <a:off x="5143948" y="1770924"/>
+            <a:off x="5337106" y="1295400"/>
             <a:ext cx="772043" cy="346760"/>
           </a:xfrm>
           <a:prstGeom prst="rect">
@@ -4584,7 +4585,7 @@
         </p:nvCxnSpPr>
         <p:spPr>
           <a:xfrm flipV="1">
-            <a:off x="3686160" y="2286000"/>
+            <a:off x="3879318" y="1810476"/>
             <a:ext cx="1843809" cy="1136729"/>
           </a:xfrm>
           <a:prstGeom prst="bentConnector2">
@@ -4625,7 +4626,7 @@
         </p:nvCxnSpPr>
         <p:spPr>
           <a:xfrm rot="5400000">
-            <a:off x="4174488" y="2991741"/>
+            <a:off x="4367646" y="2516217"/>
             <a:ext cx="2061222" cy="649740"/>
           </a:xfrm>
           <a:prstGeom prst="bentConnector2">
@@ -4666,7 +4667,7 @@
         </p:nvCxnSpPr>
         <p:spPr>
           <a:xfrm rot="5400000">
-            <a:off x="3867176" y="2104987"/>
+            <a:off x="4060334" y="1629463"/>
             <a:ext cx="1481780" cy="1843806"/>
           </a:xfrm>
           <a:prstGeom prst="bentConnector2">
@@ -4707,7 +4708,7 @@
         </p:nvCxnSpPr>
         <p:spPr>
           <a:xfrm flipV="1">
-            <a:off x="3189583" y="2286000"/>
+            <a:off x="3382741" y="1810476"/>
             <a:ext cx="2340386" cy="228600"/>
           </a:xfrm>
           <a:prstGeom prst="bentConnector2">
@@ -4748,7 +4749,7 @@
         </p:nvCxnSpPr>
         <p:spPr>
           <a:xfrm rot="5400000">
-            <a:off x="3014132" y="2929555"/>
+            <a:off x="3207290" y="2454031"/>
             <a:ext cx="3159393" cy="1872283"/>
           </a:xfrm>
           <a:prstGeom prst="bentConnector2">
@@ -4790,7 +4791,7 @@
         </p:nvCxnSpPr>
         <p:spPr>
           <a:xfrm rot="5400000">
-            <a:off x="2605419" y="3321730"/>
+            <a:off x="2798577" y="2846206"/>
             <a:ext cx="3960281" cy="1888820"/>
           </a:xfrm>
           <a:prstGeom prst="bentConnector2">
@@ -4830,7 +4831,7 @@
         </p:nvCxnSpPr>
         <p:spPr>
           <a:xfrm rot="5400000" flipH="1" flipV="1">
-            <a:off x="4594921" y="-355061"/>
+            <a:off x="4788079" y="-830585"/>
             <a:ext cx="170724" cy="4081246"/>
           </a:xfrm>
           <a:prstGeom prst="bentConnector2">
@@ -4869,7 +4870,7 @@
         </p:nvSpPr>
         <p:spPr>
           <a:xfrm rot="16200000">
-            <a:off x="6213739" y="4560376"/>
+            <a:off x="6406897" y="4084852"/>
             <a:ext cx="1371599" cy="328045"/>
           </a:xfrm>
           <a:prstGeom prst="roundRect">
@@ -4929,7 +4930,7 @@
         </p:nvSpPr>
         <p:spPr>
           <a:xfrm rot="16200000">
-            <a:off x="956202" y="2861202"/>
+            <a:off x="871584" y="2411330"/>
             <a:ext cx="1093635" cy="346760"/>
           </a:xfrm>
           <a:prstGeom prst="rect">
@@ -4999,7 +5000,7 @@
         </p:nvSpPr>
         <p:spPr>
           <a:xfrm flipV="1">
-            <a:off x="1367767" y="2286001"/>
+            <a:off x="1283149" y="1836129"/>
             <a:ext cx="270504" cy="175523"/>
           </a:xfrm>
           <a:prstGeom prst="triangle">
@@ -5050,8 +5051,8 @@
         </p:nvCxnSpPr>
         <p:spPr>
           <a:xfrm rot="10800000" flipV="1">
-            <a:off x="1503020" y="1944303"/>
-            <a:ext cx="589823" cy="341697"/>
+            <a:off x="1418402" y="1468779"/>
+            <a:ext cx="867599" cy="367349"/>
           </a:xfrm>
           <a:prstGeom prst="bentConnector2">
             <a:avLst/>
@@ -5092,7 +5093,7 @@
         </p:nvCxnSpPr>
         <p:spPr>
           <a:xfrm rot="16200000" flipH="1">
-            <a:off x="2226110" y="3058040"/>
+            <a:off x="2419268" y="2582516"/>
             <a:ext cx="554704" cy="174673"/>
           </a:xfrm>
           <a:prstGeom prst="bentConnector2">
@@ -5133,7 +5134,7 @@
         </p:nvCxnSpPr>
         <p:spPr>
           <a:xfrm rot="5400000">
-            <a:off x="4205956" y="1766207"/>
+            <a:off x="4399114" y="1290683"/>
             <a:ext cx="804221" cy="1843806"/>
           </a:xfrm>
           <a:prstGeom prst="bentConnector2">
@@ -5174,7 +5175,7 @@
         </p:nvCxnSpPr>
         <p:spPr>
           <a:xfrm rot="16200000" flipH="1">
-            <a:off x="3430123" y="3938021"/>
+            <a:off x="3623281" y="3462497"/>
             <a:ext cx="118421" cy="699979"/>
           </a:xfrm>
           <a:prstGeom prst="bentConnector2">
@@ -5215,7 +5216,7 @@
         </p:nvCxnSpPr>
         <p:spPr>
           <a:xfrm rot="5400000">
-            <a:off x="3695875" y="2276286"/>
+            <a:off x="3889033" y="1800762"/>
             <a:ext cx="1824381" cy="1843808"/>
           </a:xfrm>
           <a:prstGeom prst="bentConnector2">
@@ -5253,7 +5254,7 @@
         </p:nvSpPr>
         <p:spPr>
           <a:xfrm>
-            <a:off x="5435896" y="2743200"/>
+            <a:off x="5629054" y="2267676"/>
             <a:ext cx="229325" cy="166560"/>
           </a:xfrm>
           <a:prstGeom prst="rect">
@@ -5306,7 +5307,7 @@
         </p:nvSpPr>
         <p:spPr>
           <a:xfrm>
-            <a:off x="3687515" y="2828802"/>
+            <a:off x="3880673" y="2353278"/>
             <a:ext cx="3048000" cy="203200"/>
           </a:xfrm>
           <a:custGeom>
@@ -5388,7 +5389,7 @@
         </p:nvSpPr>
         <p:spPr>
           <a:xfrm>
-            <a:off x="5431573" y="4488138"/>
+            <a:off x="5624731" y="4012614"/>
             <a:ext cx="229325" cy="160062"/>
           </a:xfrm>
           <a:prstGeom prst="rect">
@@ -5441,7 +5442,7 @@
         </p:nvSpPr>
         <p:spPr>
           <a:xfrm flipV="1">
-            <a:off x="4114799" y="4472708"/>
+            <a:off x="4307957" y="3997184"/>
             <a:ext cx="2642195" cy="101600"/>
           </a:xfrm>
           <a:custGeom>
@@ -5529,7 +5530,7 @@
         </p:nvSpPr>
         <p:spPr>
           <a:xfrm>
-            <a:off x="2547514" y="5729213"/>
+            <a:off x="2740672" y="5253689"/>
             <a:ext cx="1093635" cy="231256"/>
           </a:xfrm>
           <a:prstGeom prst="rect">
@@ -5598,7 +5599,7 @@
         </p:nvCxnSpPr>
         <p:spPr>
           <a:xfrm rot="16200000" flipH="1">
-            <a:off x="2262569" y="5559895"/>
+            <a:off x="2455727" y="5084371"/>
             <a:ext cx="434641" cy="135249"/>
           </a:xfrm>
           <a:prstGeom prst="bentConnector2">
@@ -5642,7 +5643,7 @@
         </p:nvCxnSpPr>
         <p:spPr>
           <a:xfrm rot="5400000">
-            <a:off x="3014045" y="3342555"/>
+            <a:off x="3207203" y="2867031"/>
             <a:ext cx="3159393" cy="1872283"/>
           </a:xfrm>
           <a:prstGeom prst="bentConnector2">
@@ -5686,7 +5687,7 @@
         </p:nvSpPr>
         <p:spPr>
           <a:xfrm>
-            <a:off x="2574917" y="4591128"/>
+            <a:off x="2768075" y="4115604"/>
             <a:ext cx="1246797" cy="212605"/>
           </a:xfrm>
           <a:prstGeom prst="rect">
@@ -5752,7 +5753,7 @@
         </p:nvSpPr>
         <p:spPr>
           <a:xfrm>
-            <a:off x="3918585" y="4847511"/>
+            <a:off x="4111743" y="4371987"/>
             <a:ext cx="1333948" cy="219671"/>
           </a:xfrm>
           <a:prstGeom prst="rect">
@@ -5820,7 +5821,7 @@
         </p:nvCxnSpPr>
         <p:spPr>
           <a:xfrm>
-            <a:off x="3110021" y="4815340"/>
+            <a:off x="3303179" y="4339816"/>
             <a:ext cx="808477" cy="98632"/>
           </a:xfrm>
           <a:prstGeom prst="bentConnector3">
@@ -5866,7 +5867,7 @@
         </p:nvSpPr>
         <p:spPr>
           <a:xfrm flipV="1">
-            <a:off x="4348242" y="5088235"/>
+            <a:off x="4541400" y="4612711"/>
             <a:ext cx="2395985" cy="121326"/>
           </a:xfrm>
           <a:custGeom>
@@ -5912,6 +5913,755 @@
               <a:schemeClr val="accent3"/>
             </a:solidFill>
             <a:prstDash val="sysDot"/>
+            <a:headEnd type="none" w="med" len="med"/>
+            <a:tailEnd type="arrow" w="med" len="med"/>
+          </a:ln>
+          <a:effectLst/>
+        </p:spPr>
+        <p:style>
+          <a:lnRef idx="1">
+            <a:schemeClr val="accent2"/>
+          </a:lnRef>
+          <a:fillRef idx="2">
+            <a:schemeClr val="accent2"/>
+          </a:fillRef>
+          <a:effectRef idx="1">
+            <a:schemeClr val="accent2"/>
+          </a:effectRef>
+          <a:fontRef idx="minor">
+            <a:schemeClr val="dk1"/>
+          </a:fontRef>
+        </p:style>
+        <p:txBody>
+          <a:bodyPr rtlCol="0" anchor="ctr"/>
+          <a:lstStyle/>
+          <a:p>
+            <a:pPr algn="ctr"/>
+            <a:endParaRPr lang="en-SG"/>
+          </a:p>
+        </p:txBody>
+      </p:sp>
+      <p:cxnSp>
+        <p:nvCxnSpPr>
+          <p:cNvPr id="51" name="Elbow Connector 63">
+            <a:extLst>
+              <a:ext uri="{FF2B5EF4-FFF2-40B4-BE49-F238E27FC236}">
+                <a16:creationId xmlns:a16="http://schemas.microsoft.com/office/drawing/2014/main" id="{2BE5791C-8D3B-43D1-97E6-683C7FBC0CFD}"/>
+              </a:ext>
+            </a:extLst>
+          </p:cNvPr>
+          <p:cNvCxnSpPr>
+            <a:cxnSpLocks/>
+            <a:endCxn id="62" idx="1"/>
+          </p:cNvCxnSpPr>
+          <p:nvPr/>
+        </p:nvCxnSpPr>
+        <p:spPr>
+          <a:xfrm rot="16200000" flipH="1">
+            <a:off x="1773868" y="3227700"/>
+            <a:ext cx="1836672" cy="151741"/>
+          </a:xfrm>
+          <a:prstGeom prst="bentConnector2">
+            <a:avLst/>
+          </a:prstGeom>
+          <a:ln w="19050">
+            <a:solidFill>
+              <a:schemeClr val="accent3"/>
+            </a:solidFill>
+            <a:headEnd type="none" w="med" len="med"/>
+            <a:tailEnd type="arrow" w="med" len="med"/>
+          </a:ln>
+          <a:effectLst/>
+        </p:spPr>
+        <p:style>
+          <a:lnRef idx="1">
+            <a:schemeClr val="accent2"/>
+          </a:lnRef>
+          <a:fillRef idx="2">
+            <a:schemeClr val="accent2"/>
+          </a:fillRef>
+          <a:effectRef idx="1">
+            <a:schemeClr val="accent2"/>
+          </a:effectRef>
+          <a:fontRef idx="minor">
+            <a:schemeClr val="dk1"/>
+          </a:fontRef>
+        </p:style>
+      </p:cxnSp>
+      <p:sp>
+        <p:nvSpPr>
+          <p:cNvPr id="54" name="Rectangle 62">
+            <a:extLst>
+              <a:ext uri="{FF2B5EF4-FFF2-40B4-BE49-F238E27FC236}">
+                <a16:creationId xmlns:a16="http://schemas.microsoft.com/office/drawing/2014/main" id="{C9A5EAAA-10E2-4930-9EE2-529B469317CF}"/>
+              </a:ext>
+            </a:extLst>
+          </p:cNvPr>
+          <p:cNvSpPr/>
+          <p:nvPr/>
+        </p:nvSpPr>
+        <p:spPr>
+          <a:xfrm>
+            <a:off x="774844" y="3520174"/>
+            <a:ext cx="1212575" cy="346760"/>
+          </a:xfrm>
+          <a:prstGeom prst="rect">
+            <a:avLst/>
+          </a:prstGeom>
+          <a:solidFill>
+            <a:srgbClr val="00B050"/>
+          </a:solidFill>
+          <a:ln w="19050">
+            <a:solidFill>
+              <a:srgbClr val="00B050"/>
+            </a:solidFill>
+          </a:ln>
+          <a:effectLst/>
+        </p:spPr>
+        <p:style>
+          <a:lnRef idx="1">
+            <a:schemeClr val="accent2"/>
+          </a:lnRef>
+          <a:fillRef idx="2">
+            <a:schemeClr val="accent2"/>
+          </a:fillRef>
+          <a:effectRef idx="1">
+            <a:schemeClr val="accent2"/>
+          </a:effectRef>
+          <a:fontRef idx="minor">
+            <a:schemeClr val="dk1"/>
+          </a:fontRef>
+        </p:style>
+        <p:txBody>
+          <a:bodyPr rtlCol="0" anchor="ctr"/>
+          <a:lstStyle/>
+          <a:p>
+            <a:pPr algn="ctr"/>
+            <a:r>
+              <a:rPr lang="en-US" sz="1050" dirty="0" err="1">
+                <a:solidFill>
+                  <a:schemeClr val="bg1"/>
+                </a:solidFill>
+              </a:rPr>
+              <a:t>PasswordManager</a:t>
+            </a:r>
+            <a:endParaRPr lang="en-SG" sz="1050" dirty="0">
+              <a:solidFill>
+                <a:schemeClr val="bg1"/>
+              </a:solidFill>
+            </a:endParaRPr>
+          </a:p>
+        </p:txBody>
+      </p:sp>
+      <p:sp>
+        <p:nvSpPr>
+          <p:cNvPr id="55" name="Isosceles Triangle 102">
+            <a:extLst>
+              <a:ext uri="{FF2B5EF4-FFF2-40B4-BE49-F238E27FC236}">
+                <a16:creationId xmlns:a16="http://schemas.microsoft.com/office/drawing/2014/main" id="{B41ED97F-DDED-4CE9-8B0B-97967FE8C591}"/>
+              </a:ext>
+            </a:extLst>
+          </p:cNvPr>
+          <p:cNvSpPr/>
+          <p:nvPr/>
+        </p:nvSpPr>
+        <p:spPr>
+          <a:xfrm rot="10800000" flipV="1">
+            <a:off x="1195955" y="3116529"/>
+            <a:ext cx="309163" cy="216762"/>
+          </a:xfrm>
+          <a:prstGeom prst="triangle">
+            <a:avLst/>
+          </a:prstGeom>
+          <a:ln w="19050">
+            <a:solidFill>
+              <a:srgbClr val="00B050"/>
+            </a:solidFill>
+          </a:ln>
+          <a:effectLst/>
+        </p:spPr>
+        <p:style>
+          <a:lnRef idx="1">
+            <a:schemeClr val="accent3"/>
+          </a:lnRef>
+          <a:fillRef idx="2">
+            <a:schemeClr val="accent3"/>
+          </a:fillRef>
+          <a:effectRef idx="1">
+            <a:schemeClr val="accent3"/>
+          </a:effectRef>
+          <a:fontRef idx="minor">
+            <a:schemeClr val="dk1"/>
+          </a:fontRef>
+        </p:style>
+        <p:txBody>
+          <a:bodyPr rtlCol="0" anchor="ctr"/>
+          <a:lstStyle/>
+          <a:p>
+            <a:pPr algn="ctr"/>
+            <a:endParaRPr lang="en-SG" sz="1050" b="1">
+              <a:solidFill>
+                <a:srgbClr val="92D050"/>
+              </a:solidFill>
+            </a:endParaRPr>
+          </a:p>
+        </p:txBody>
+      </p:sp>
+      <p:cxnSp>
+        <p:nvCxnSpPr>
+          <p:cNvPr id="57" name="Elbow Connector 63">
+            <a:extLst>
+              <a:ext uri="{FF2B5EF4-FFF2-40B4-BE49-F238E27FC236}">
+                <a16:creationId xmlns:a16="http://schemas.microsoft.com/office/drawing/2014/main" id="{1FC34838-8A7A-423F-AF75-F7D040ABB198}"/>
+              </a:ext>
+            </a:extLst>
+          </p:cNvPr>
+          <p:cNvCxnSpPr>
+            <a:cxnSpLocks/>
+          </p:cNvCxnSpPr>
+          <p:nvPr/>
+        </p:nvCxnSpPr>
+        <p:spPr>
+          <a:xfrm rot="5400000">
+            <a:off x="1265596" y="3424863"/>
+            <a:ext cx="183145" cy="1"/>
+          </a:xfrm>
+          <a:prstGeom prst="bentConnector3">
+            <a:avLst>
+              <a:gd name="adj1" fmla="val 50000"/>
+            </a:avLst>
+          </a:prstGeom>
+          <a:ln w="19050">
+            <a:solidFill>
+              <a:srgbClr val="00B050"/>
+            </a:solidFill>
+            <a:prstDash val="sysDot"/>
+            <a:headEnd type="none" w="med" len="med"/>
+            <a:tailEnd type="none" w="med" len="med"/>
+          </a:ln>
+          <a:effectLst/>
+        </p:spPr>
+        <p:style>
+          <a:lnRef idx="1">
+            <a:schemeClr val="accent2"/>
+          </a:lnRef>
+          <a:fillRef idx="2">
+            <a:schemeClr val="accent2"/>
+          </a:fillRef>
+          <a:effectRef idx="1">
+            <a:schemeClr val="accent2"/>
+          </a:effectRef>
+          <a:fontRef idx="minor">
+            <a:schemeClr val="dk1"/>
+          </a:fontRef>
+        </p:style>
+      </p:cxnSp>
+      <p:sp>
+        <p:nvSpPr>
+          <p:cNvPr id="58" name="Rectangle 8">
+            <a:extLst>
+              <a:ext uri="{FF2B5EF4-FFF2-40B4-BE49-F238E27FC236}">
+                <a16:creationId xmlns:a16="http://schemas.microsoft.com/office/drawing/2014/main" id="{A8C2478B-9626-4B93-842F-7877EC5BDBC2}"/>
+              </a:ext>
+            </a:extLst>
+          </p:cNvPr>
+          <p:cNvSpPr/>
+          <p:nvPr/>
+        </p:nvSpPr>
+        <p:spPr>
+          <a:xfrm>
+            <a:off x="774459" y="4602912"/>
+            <a:ext cx="1201698" cy="346760"/>
+          </a:xfrm>
+          <a:prstGeom prst="rect">
+            <a:avLst/>
+          </a:prstGeom>
+          <a:ln w="19050">
+            <a:solidFill>
+              <a:schemeClr val="accent3"/>
+            </a:solidFill>
+          </a:ln>
+          <a:effectLst/>
+        </p:spPr>
+        <p:style>
+          <a:lnRef idx="1">
+            <a:schemeClr val="accent3"/>
+          </a:lnRef>
+          <a:fillRef idx="2">
+            <a:schemeClr val="accent3"/>
+          </a:fillRef>
+          <a:effectRef idx="1">
+            <a:schemeClr val="accent3"/>
+          </a:effectRef>
+          <a:fontRef idx="minor">
+            <a:schemeClr val="dk1"/>
+          </a:fontRef>
+        </p:style>
+        <p:txBody>
+          <a:bodyPr rtlCol="0" anchor="ctr"/>
+          <a:lstStyle/>
+          <a:p>
+            <a:pPr algn="ctr"/>
+            <a:r>
+              <a:rPr lang="en-US" sz="1050" b="1" dirty="0" err="1">
+                <a:solidFill>
+                  <a:schemeClr val="accent3">
+                    <a:lumMod val="75000"/>
+                  </a:schemeClr>
+                </a:solidFill>
+              </a:rPr>
+              <a:t>PasswordWindow</a:t>
+            </a:r>
+            <a:endParaRPr lang="en-SG" sz="1050" b="1" dirty="0">
+              <a:solidFill>
+                <a:schemeClr val="accent3">
+                  <a:lumMod val="75000"/>
+                </a:schemeClr>
+              </a:solidFill>
+            </a:endParaRPr>
+          </a:p>
+        </p:txBody>
+      </p:sp>
+      <p:cxnSp>
+        <p:nvCxnSpPr>
+          <p:cNvPr id="59" name="Elbow Connector 63">
+            <a:extLst>
+              <a:ext uri="{FF2B5EF4-FFF2-40B4-BE49-F238E27FC236}">
+                <a16:creationId xmlns:a16="http://schemas.microsoft.com/office/drawing/2014/main" id="{1516123E-FB54-45F4-A14C-11CAE6B9095C}"/>
+              </a:ext>
+            </a:extLst>
+          </p:cNvPr>
+          <p:cNvCxnSpPr>
+            <a:cxnSpLocks/>
+            <a:stCxn id="54" idx="2"/>
+            <a:endCxn id="58" idx="0"/>
+          </p:cNvCxnSpPr>
+          <p:nvPr/>
+        </p:nvCxnSpPr>
+        <p:spPr>
+          <a:xfrm rot="5400000">
+            <a:off x="1010231" y="4232011"/>
+            <a:ext cx="735978" cy="5824"/>
+          </a:xfrm>
+          <a:prstGeom prst="bentConnector3">
+            <a:avLst>
+              <a:gd name="adj1" fmla="val 50000"/>
+            </a:avLst>
+          </a:prstGeom>
+          <a:ln w="19050">
+            <a:solidFill>
+              <a:srgbClr val="00B050"/>
+            </a:solidFill>
+            <a:headEnd type="none" w="med" len="med"/>
+            <a:tailEnd type="arrow" w="med" len="med"/>
+          </a:ln>
+          <a:effectLst/>
+        </p:spPr>
+        <p:style>
+          <a:lnRef idx="1">
+            <a:schemeClr val="accent2"/>
+          </a:lnRef>
+          <a:fillRef idx="2">
+            <a:schemeClr val="accent2"/>
+          </a:fillRef>
+          <a:effectRef idx="1">
+            <a:schemeClr val="accent2"/>
+          </a:effectRef>
+          <a:fontRef idx="minor">
+            <a:schemeClr val="dk1"/>
+          </a:fontRef>
+        </p:style>
+      </p:cxnSp>
+      <p:sp>
+        <p:nvSpPr>
+          <p:cNvPr id="68" name="Rectangle 11">
+            <a:extLst>
+              <a:ext uri="{FF2B5EF4-FFF2-40B4-BE49-F238E27FC236}">
+                <a16:creationId xmlns:a16="http://schemas.microsoft.com/office/drawing/2014/main" id="{10B3E6A9-3D89-4E60-A4C7-7B568E59DAA8}"/>
+              </a:ext>
+            </a:extLst>
+          </p:cNvPr>
+          <p:cNvSpPr/>
+          <p:nvPr/>
+        </p:nvSpPr>
+        <p:spPr>
+          <a:xfrm>
+            <a:off x="1087929" y="5550979"/>
+            <a:ext cx="1093635" cy="236841"/>
+          </a:xfrm>
+          <a:prstGeom prst="rect">
+            <a:avLst/>
+          </a:prstGeom>
+          <a:ln w="19050">
+            <a:solidFill>
+              <a:schemeClr val="accent3"/>
+            </a:solidFill>
+          </a:ln>
+          <a:effectLst/>
+        </p:spPr>
+        <p:style>
+          <a:lnRef idx="1">
+            <a:schemeClr val="accent3"/>
+          </a:lnRef>
+          <a:fillRef idx="2">
+            <a:schemeClr val="accent3"/>
+          </a:fillRef>
+          <a:effectRef idx="1">
+            <a:schemeClr val="accent3"/>
+          </a:effectRef>
+          <a:fontRef idx="minor">
+            <a:schemeClr val="dk1"/>
+          </a:fontRef>
+        </p:style>
+        <p:txBody>
+          <a:bodyPr rtlCol="0" anchor="ctr"/>
+          <a:lstStyle/>
+          <a:p>
+            <a:pPr algn="ctr"/>
+            <a:r>
+              <a:rPr lang="en-US" sz="1050" b="1" dirty="0" err="1">
+                <a:solidFill>
+                  <a:schemeClr val="accent3">
+                    <a:lumMod val="75000"/>
+                  </a:schemeClr>
+                </a:solidFill>
+              </a:rPr>
+              <a:t>PasswordBox</a:t>
+            </a:r>
+            <a:endParaRPr lang="en-SG" sz="1050" b="1" dirty="0">
+              <a:solidFill>
+                <a:schemeClr val="accent3">
+                  <a:lumMod val="75000"/>
+                </a:schemeClr>
+              </a:solidFill>
+            </a:endParaRPr>
+          </a:p>
+        </p:txBody>
+      </p:sp>
+      <p:sp>
+        <p:nvSpPr>
+          <p:cNvPr id="70" name="Flowchart: Decision 69">
+            <a:extLst>
+              <a:ext uri="{FF2B5EF4-FFF2-40B4-BE49-F238E27FC236}">
+                <a16:creationId xmlns:a16="http://schemas.microsoft.com/office/drawing/2014/main" id="{735E082F-A5B1-44C9-BC53-A4FCA7E8CD44}"/>
+              </a:ext>
+            </a:extLst>
+          </p:cNvPr>
+          <p:cNvSpPr/>
+          <p:nvPr/>
+        </p:nvSpPr>
+        <p:spPr>
+          <a:xfrm>
+            <a:off x="837728" y="4953410"/>
+            <a:ext cx="183156" cy="161573"/>
+          </a:xfrm>
+          <a:prstGeom prst="flowChartDecision">
+            <a:avLst/>
+          </a:prstGeom>
+          <a:solidFill>
+            <a:schemeClr val="accent3"/>
+          </a:solidFill>
+          <a:ln>
+            <a:solidFill>
+              <a:schemeClr val="accent3"/>
+            </a:solidFill>
+          </a:ln>
+        </p:spPr>
+        <p:style>
+          <a:lnRef idx="2">
+            <a:schemeClr val="accent1">
+              <a:shade val="50000"/>
+            </a:schemeClr>
+          </a:lnRef>
+          <a:fillRef idx="1">
+            <a:schemeClr val="accent1"/>
+          </a:fillRef>
+          <a:effectRef idx="0">
+            <a:schemeClr val="accent1"/>
+          </a:effectRef>
+          <a:fontRef idx="minor">
+            <a:schemeClr val="lt1"/>
+          </a:fontRef>
+        </p:style>
+        <p:txBody>
+          <a:bodyPr rtlCol="0" anchor="ctr"/>
+          <a:lstStyle/>
+          <a:p>
+            <a:pPr algn="ctr"/>
+            <a:endParaRPr lang="en-SG"/>
+          </a:p>
+        </p:txBody>
+      </p:sp>
+      <p:cxnSp>
+        <p:nvCxnSpPr>
+          <p:cNvPr id="71" name="Elbow Connector 63">
+            <a:extLst>
+              <a:ext uri="{FF2B5EF4-FFF2-40B4-BE49-F238E27FC236}">
+                <a16:creationId xmlns:a16="http://schemas.microsoft.com/office/drawing/2014/main" id="{5952F32A-D4B4-4A5D-8D24-9A082A50576F}"/>
+              </a:ext>
+            </a:extLst>
+          </p:cNvPr>
+          <p:cNvCxnSpPr>
+            <a:cxnSpLocks/>
+            <a:endCxn id="68" idx="1"/>
+          </p:cNvCxnSpPr>
+          <p:nvPr/>
+        </p:nvCxnSpPr>
+        <p:spPr>
+          <a:xfrm rot="16200000" flipH="1">
+            <a:off x="730348" y="5311819"/>
+            <a:ext cx="557010" cy="158151"/>
+          </a:xfrm>
+          <a:prstGeom prst="bentConnector2">
+            <a:avLst/>
+          </a:prstGeom>
+          <a:ln w="19050">
+            <a:solidFill>
+              <a:schemeClr val="accent3"/>
+            </a:solidFill>
+            <a:headEnd type="none" w="med" len="med"/>
+            <a:tailEnd type="arrow" w="med" len="med"/>
+          </a:ln>
+          <a:effectLst/>
+        </p:spPr>
+        <p:style>
+          <a:lnRef idx="1">
+            <a:schemeClr val="accent2"/>
+          </a:lnRef>
+          <a:fillRef idx="2">
+            <a:schemeClr val="accent2"/>
+          </a:fillRef>
+          <a:effectRef idx="1">
+            <a:schemeClr val="accent2"/>
+          </a:effectRef>
+          <a:fontRef idx="minor">
+            <a:schemeClr val="dk1"/>
+          </a:fontRef>
+        </p:style>
+      </p:cxnSp>
+      <p:sp>
+        <p:nvSpPr>
+          <p:cNvPr id="75" name="Rectangle 65">
+            <a:extLst>
+              <a:ext uri="{FF2B5EF4-FFF2-40B4-BE49-F238E27FC236}">
+                <a16:creationId xmlns:a16="http://schemas.microsoft.com/office/drawing/2014/main" id="{795CE696-83CE-4D40-809B-39309B230A86}"/>
+              </a:ext>
+            </a:extLst>
+          </p:cNvPr>
+          <p:cNvSpPr/>
+          <p:nvPr/>
+        </p:nvSpPr>
+        <p:spPr>
+          <a:xfrm rot="16200000">
+            <a:off x="6427025" y="5634168"/>
+            <a:ext cx="1371599" cy="328045"/>
+          </a:xfrm>
+          <a:prstGeom prst="roundRect">
+            <a:avLst/>
+          </a:prstGeom>
+          <a:solidFill>
+            <a:schemeClr val="accent6">
+              <a:lumMod val="20000"/>
+              <a:lumOff val="80000"/>
+            </a:schemeClr>
+          </a:solidFill>
+          <a:ln w="19050">
+            <a:noFill/>
+          </a:ln>
+          <a:effectLst/>
+        </p:spPr>
+        <p:style>
+          <a:lnRef idx="1">
+            <a:schemeClr val="accent2"/>
+          </a:lnRef>
+          <a:fillRef idx="2">
+            <a:schemeClr val="accent2"/>
+          </a:fillRef>
+          <a:effectRef idx="1">
+            <a:schemeClr val="accent2"/>
+          </a:effectRef>
+          <a:fontRef idx="minor">
+            <a:schemeClr val="dk1"/>
+          </a:fontRef>
+        </p:style>
+        <p:txBody>
+          <a:bodyPr rtlCol="0" anchor="ctr"/>
+          <a:lstStyle/>
+          <a:p>
+            <a:pPr algn="ctr"/>
+            <a:r>
+              <a:rPr lang="en-US" sz="1100" b="1" dirty="0">
+                <a:solidFill>
+                  <a:schemeClr val="bg1"/>
+                </a:solidFill>
+              </a:rPr>
+              <a:t>Storage</a:t>
+            </a:r>
+            <a:endParaRPr lang="en-SG" sz="1100" b="1" dirty="0">
+              <a:solidFill>
+                <a:schemeClr val="bg1"/>
+              </a:solidFill>
+            </a:endParaRPr>
+          </a:p>
+        </p:txBody>
+      </p:sp>
+      <p:cxnSp>
+        <p:nvCxnSpPr>
+          <p:cNvPr id="81" name="Elbow Connector 63">
+            <a:extLst>
+              <a:ext uri="{FF2B5EF4-FFF2-40B4-BE49-F238E27FC236}">
+                <a16:creationId xmlns:a16="http://schemas.microsoft.com/office/drawing/2014/main" id="{30FD73C1-C238-4EBA-810E-0D3EE14F83C7}"/>
+              </a:ext>
+            </a:extLst>
+          </p:cNvPr>
+          <p:cNvCxnSpPr>
+            <a:cxnSpLocks/>
+            <a:endCxn id="68" idx="3"/>
+          </p:cNvCxnSpPr>
+          <p:nvPr/>
+        </p:nvCxnSpPr>
+        <p:spPr>
+          <a:xfrm rot="10800000">
+            <a:off x="2181565" y="5669401"/>
+            <a:ext cx="3541479" cy="307865"/>
+          </a:xfrm>
+          <a:prstGeom prst="bentConnector3">
+            <a:avLst>
+              <a:gd name="adj1" fmla="val 96583"/>
+            </a:avLst>
+          </a:prstGeom>
+          <a:ln w="6350">
+            <a:solidFill>
+              <a:schemeClr val="accent3"/>
+            </a:solidFill>
+            <a:headEnd type="none" w="med" len="med"/>
+            <a:tailEnd type="none" w="med" len="med"/>
+          </a:ln>
+          <a:effectLst/>
+        </p:spPr>
+        <p:style>
+          <a:lnRef idx="1">
+            <a:schemeClr val="accent2"/>
+          </a:lnRef>
+          <a:fillRef idx="2">
+            <a:schemeClr val="accent2"/>
+          </a:fillRef>
+          <a:effectRef idx="1">
+            <a:schemeClr val="accent2"/>
+          </a:effectRef>
+          <a:fontRef idx="minor">
+            <a:schemeClr val="dk1"/>
+          </a:fontRef>
+        </p:style>
+      </p:cxnSp>
+      <p:cxnSp>
+        <p:nvCxnSpPr>
+          <p:cNvPr id="96" name="Elbow Connector 63">
+            <a:extLst>
+              <a:ext uri="{FF2B5EF4-FFF2-40B4-BE49-F238E27FC236}">
+                <a16:creationId xmlns:a16="http://schemas.microsoft.com/office/drawing/2014/main" id="{63BC26F9-975B-4749-AA52-0A02E19A1845}"/>
+              </a:ext>
+            </a:extLst>
+          </p:cNvPr>
+          <p:cNvCxnSpPr>
+            <a:cxnSpLocks/>
+          </p:cNvCxnSpPr>
+          <p:nvPr/>
+        </p:nvCxnSpPr>
+        <p:spPr>
+          <a:xfrm rot="5400000">
+            <a:off x="3649098" y="3896268"/>
+            <a:ext cx="4157557" cy="4432"/>
+          </a:xfrm>
+          <a:prstGeom prst="bentConnector3">
+            <a:avLst>
+              <a:gd name="adj1" fmla="val 50000"/>
+            </a:avLst>
+          </a:prstGeom>
+          <a:ln w="6350">
+            <a:solidFill>
+              <a:schemeClr val="accent3"/>
+            </a:solidFill>
+            <a:headEnd type="none" w="med" len="med"/>
+            <a:tailEnd type="none" w="med" len="med"/>
+          </a:ln>
+          <a:effectLst/>
+        </p:spPr>
+        <p:style>
+          <a:lnRef idx="1">
+            <a:schemeClr val="accent2"/>
+          </a:lnRef>
+          <a:fillRef idx="2">
+            <a:schemeClr val="accent2"/>
+          </a:fillRef>
+          <a:effectRef idx="1">
+            <a:schemeClr val="accent2"/>
+          </a:effectRef>
+          <a:fontRef idx="minor">
+            <a:schemeClr val="dk1"/>
+          </a:fontRef>
+        </p:style>
+      </p:cxnSp>
+      <p:sp>
+        <p:nvSpPr>
+          <p:cNvPr id="99" name="Freeform 115">
+            <a:extLst>
+              <a:ext uri="{FF2B5EF4-FFF2-40B4-BE49-F238E27FC236}">
+                <a16:creationId xmlns:a16="http://schemas.microsoft.com/office/drawing/2014/main" id="{A92F4E5A-306F-424E-ABCE-4763B5518BEA}"/>
+              </a:ext>
+            </a:extLst>
+          </p:cNvPr>
+          <p:cNvSpPr/>
+          <p:nvPr/>
+        </p:nvSpPr>
+        <p:spPr>
+          <a:xfrm>
+            <a:off x="2178949" y="5580546"/>
+            <a:ext cx="4758436" cy="95848"/>
+          </a:xfrm>
+          <a:custGeom>
+            <a:avLst/>
+            <a:gdLst>
+              <a:gd name="connsiteX0" fmla="*/ 0 w 3048000"/>
+              <a:gd name="connsiteY0" fmla="*/ 203200 h 203200"/>
+              <a:gd name="connsiteX1" fmla="*/ 221673 w 3048000"/>
+              <a:gd name="connsiteY1" fmla="*/ 0 h 203200"/>
+              <a:gd name="connsiteX2" fmla="*/ 3048000 w 3048000"/>
+              <a:gd name="connsiteY2" fmla="*/ 0 h 203200"/>
+            </a:gdLst>
+            <a:ahLst/>
+            <a:cxnLst>
+              <a:cxn ang="0">
+                <a:pos x="connsiteX0" y="connsiteY0"/>
+              </a:cxn>
+              <a:cxn ang="0">
+                <a:pos x="connsiteX1" y="connsiteY1"/>
+              </a:cxn>
+              <a:cxn ang="0">
+                <a:pos x="connsiteX2" y="connsiteY2"/>
+              </a:cxn>
+            </a:cxnLst>
+            <a:rect l="l" t="t" r="r" b="b"/>
+            <a:pathLst>
+              <a:path w="3048000" h="203200">
+                <a:moveTo>
+                  <a:pt x="0" y="203200"/>
+                </a:moveTo>
+                <a:lnTo>
+                  <a:pt x="221673" y="0"/>
+                </a:lnTo>
+                <a:lnTo>
+                  <a:pt x="3048000" y="0"/>
+                </a:lnTo>
+              </a:path>
+            </a:pathLst>
+          </a:custGeom>
+          <a:noFill/>
+          <a:ln w="19050">
+            <a:solidFill>
+              <a:schemeClr val="accent3"/>
+            </a:solidFill>
+            <a:prstDash val="solid"/>
             <a:headEnd type="none" w="med" len="med"/>
             <a:tailEnd type="arrow" w="med" len="med"/>
           </a:ln>

--- a/docs/diagrams/UiComponentClassDiagram.pptx
+++ b/docs/diagrams/UiComponentClassDiagram.pptx
@@ -126,10 +126,6 @@
 </p:presentation>
 </file>
 
-<file path=ppt/revisionInfo.xml><?xml version="1.0" encoding="utf-8"?>
-<p1510:revInfo xmlns:a="http://schemas.openxmlformats.org/drawingml/2006/main" xmlns:r="http://schemas.openxmlformats.org/officeDocument/2006/relationships" xmlns:p1510="http://schemas.microsoft.com/office/powerpoint/2015/10/main"/>
-</file>
-
 <file path=ppt/notesMasters/notesMaster1.xml><?xml version="1.0" encoding="utf-8"?>
 <p:notesMaster xmlns:a="http://schemas.openxmlformats.org/drawingml/2006/main" xmlns:r="http://schemas.openxmlformats.org/officeDocument/2006/relationships" xmlns:p="http://schemas.openxmlformats.org/presentationml/2006/main">
   <p:cSld>
@@ -212,7 +208,7 @@
           <a:p>
             <a:fld id="{F5CC4B3F-88C1-4FFA-B1B6-F41C21DC6924}" type="datetimeFigureOut">
               <a:rPr lang="en-US" smtClean="0"/>
-              <a:t>4/15/2018</a:t>
+              <a:t>15-Apr-18</a:t>
             </a:fld>
             <a:endParaRPr lang="en-US"/>
           </a:p>
@@ -658,7 +654,7 @@
           <a:p>
             <a:fld id="{78C97017-6FC3-485B-9764-EAC9E56C1D49}" type="datetimeFigureOut">
               <a:rPr lang="en-US" smtClean="0"/>
-              <a:t>4/15/2018</a:t>
+              <a:t>15-Apr-18</a:t>
             </a:fld>
             <a:endParaRPr lang="en-US"/>
           </a:p>
@@ -826,7 +822,7 @@
           <a:p>
             <a:fld id="{78C97017-6FC3-485B-9764-EAC9E56C1D49}" type="datetimeFigureOut">
               <a:rPr lang="en-US" smtClean="0"/>
-              <a:t>4/15/2018</a:t>
+              <a:t>15-Apr-18</a:t>
             </a:fld>
             <a:endParaRPr lang="en-US"/>
           </a:p>
@@ -1004,7 +1000,7 @@
           <a:p>
             <a:fld id="{78C97017-6FC3-485B-9764-EAC9E56C1D49}" type="datetimeFigureOut">
               <a:rPr lang="en-US" smtClean="0"/>
-              <a:t>4/15/2018</a:t>
+              <a:t>15-Apr-18</a:t>
             </a:fld>
             <a:endParaRPr lang="en-US"/>
           </a:p>
@@ -1172,7 +1168,7 @@
           <a:p>
             <a:fld id="{78C97017-6FC3-485B-9764-EAC9E56C1D49}" type="datetimeFigureOut">
               <a:rPr lang="en-US" smtClean="0"/>
-              <a:t>4/15/2018</a:t>
+              <a:t>15-Apr-18</a:t>
             </a:fld>
             <a:endParaRPr lang="en-US"/>
           </a:p>
@@ -1417,7 +1413,7 @@
           <a:p>
             <a:fld id="{78C97017-6FC3-485B-9764-EAC9E56C1D49}" type="datetimeFigureOut">
               <a:rPr lang="en-US" smtClean="0"/>
-              <a:t>4/15/2018</a:t>
+              <a:t>15-Apr-18</a:t>
             </a:fld>
             <a:endParaRPr lang="en-US"/>
           </a:p>
@@ -1702,7 +1698,7 @@
           <a:p>
             <a:fld id="{78C97017-6FC3-485B-9764-EAC9E56C1D49}" type="datetimeFigureOut">
               <a:rPr lang="en-US" smtClean="0"/>
-              <a:t>4/15/2018</a:t>
+              <a:t>15-Apr-18</a:t>
             </a:fld>
             <a:endParaRPr lang="en-US"/>
           </a:p>
@@ -2121,7 +2117,7 @@
           <a:p>
             <a:fld id="{78C97017-6FC3-485B-9764-EAC9E56C1D49}" type="datetimeFigureOut">
               <a:rPr lang="en-US" smtClean="0"/>
-              <a:t>4/15/2018</a:t>
+              <a:t>15-Apr-18</a:t>
             </a:fld>
             <a:endParaRPr lang="en-US"/>
           </a:p>
@@ -2238,7 +2234,7 @@
           <a:p>
             <a:fld id="{78C97017-6FC3-485B-9764-EAC9E56C1D49}" type="datetimeFigureOut">
               <a:rPr lang="en-US" smtClean="0"/>
-              <a:t>4/15/2018</a:t>
+              <a:t>15-Apr-18</a:t>
             </a:fld>
             <a:endParaRPr lang="en-US"/>
           </a:p>
@@ -2333,7 +2329,7 @@
           <a:p>
             <a:fld id="{78C97017-6FC3-485B-9764-EAC9E56C1D49}" type="datetimeFigureOut">
               <a:rPr lang="en-US" smtClean="0"/>
-              <a:t>4/15/2018</a:t>
+              <a:t>15-Apr-18</a:t>
             </a:fld>
             <a:endParaRPr lang="en-US"/>
           </a:p>
@@ -2608,7 +2604,7 @@
           <a:p>
             <a:fld id="{78C97017-6FC3-485B-9764-EAC9E56C1D49}" type="datetimeFigureOut">
               <a:rPr lang="en-US" smtClean="0"/>
-              <a:t>4/15/2018</a:t>
+              <a:t>15-Apr-18</a:t>
             </a:fld>
             <a:endParaRPr lang="en-US"/>
           </a:p>
@@ -2860,7 +2856,7 @@
           <a:p>
             <a:fld id="{78C97017-6FC3-485B-9764-EAC9E56C1D49}" type="datetimeFigureOut">
               <a:rPr lang="en-US" smtClean="0"/>
-              <a:t>4/15/2018</a:t>
+              <a:t>15-Apr-18</a:t>
             </a:fld>
             <a:endParaRPr lang="en-US"/>
           </a:p>
@@ -3071,7 +3067,7 @@
           <a:p>
             <a:fld id="{78C97017-6FC3-485B-9764-EAC9E56C1D49}" type="datetimeFigureOut">
               <a:rPr lang="en-US" smtClean="0"/>
-              <a:t>4/15/2018</a:t>
+              <a:t>15-Apr-18</a:t>
             </a:fld>
             <a:endParaRPr lang="en-US"/>
           </a:p>
@@ -6690,6 +6686,232 @@
           </a:p>
         </p:txBody>
       </p:sp>
+      <p:sp>
+        <p:nvSpPr>
+          <p:cNvPr id="66" name="Rectangle 11">
+            <a:extLst>
+              <a:ext uri="{FF2B5EF4-FFF2-40B4-BE49-F238E27FC236}">
+                <a16:creationId xmlns:a16="http://schemas.microsoft.com/office/drawing/2014/main" id="{C764F80B-970C-4DDE-8FA7-F07B10605415}"/>
+              </a:ext>
+            </a:extLst>
+          </p:cNvPr>
+          <p:cNvSpPr/>
+          <p:nvPr/>
+        </p:nvSpPr>
+        <p:spPr>
+          <a:xfrm>
+            <a:off x="4011769" y="2991878"/>
+            <a:ext cx="1550831" cy="236841"/>
+          </a:xfrm>
+          <a:prstGeom prst="rect">
+            <a:avLst/>
+          </a:prstGeom>
+          <a:ln w="19050">
+            <a:solidFill>
+              <a:schemeClr val="accent3"/>
+            </a:solidFill>
+          </a:ln>
+          <a:effectLst/>
+        </p:spPr>
+        <p:style>
+          <a:lnRef idx="1">
+            <a:schemeClr val="accent3"/>
+          </a:lnRef>
+          <a:fillRef idx="2">
+            <a:schemeClr val="accent3"/>
+          </a:fillRef>
+          <a:effectRef idx="1">
+            <a:schemeClr val="accent3"/>
+          </a:effectRef>
+          <a:fontRef idx="minor">
+            <a:schemeClr val="dk1"/>
+          </a:fontRef>
+        </p:style>
+        <p:txBody>
+          <a:bodyPr rtlCol="0" anchor="ctr"/>
+          <a:lstStyle/>
+          <a:p>
+            <a:pPr algn="ctr"/>
+            <a:r>
+              <a:rPr lang="en-US" sz="1050" b="1" dirty="0" err="1">
+                <a:solidFill>
+                  <a:schemeClr val="accent3">
+                    <a:lumMod val="75000"/>
+                  </a:schemeClr>
+                </a:solidFill>
+              </a:rPr>
+              <a:t>InvestigatorDetailsPage</a:t>
+            </a:r>
+            <a:endParaRPr lang="en-SG" sz="1050" b="1" dirty="0">
+              <a:solidFill>
+                <a:schemeClr val="accent3">
+                  <a:lumMod val="75000"/>
+                </a:schemeClr>
+              </a:solidFill>
+            </a:endParaRPr>
+          </a:p>
+        </p:txBody>
+      </p:sp>
+      <p:sp>
+        <p:nvSpPr>
+          <p:cNvPr id="67" name="Rectangle 11">
+            <a:extLst>
+              <a:ext uri="{FF2B5EF4-FFF2-40B4-BE49-F238E27FC236}">
+                <a16:creationId xmlns:a16="http://schemas.microsoft.com/office/drawing/2014/main" id="{FEA2CD71-97B8-4722-BCA3-3DA1006BEAA5}"/>
+              </a:ext>
+            </a:extLst>
+          </p:cNvPr>
+          <p:cNvSpPr/>
+          <p:nvPr/>
+        </p:nvSpPr>
+        <p:spPr>
+          <a:xfrm>
+            <a:off x="4008998" y="3333982"/>
+            <a:ext cx="1553602" cy="236841"/>
+          </a:xfrm>
+          <a:prstGeom prst="rect">
+            <a:avLst/>
+          </a:prstGeom>
+          <a:ln w="19050">
+            <a:solidFill>
+              <a:schemeClr val="accent3"/>
+            </a:solidFill>
+          </a:ln>
+          <a:effectLst/>
+        </p:spPr>
+        <p:style>
+          <a:lnRef idx="1">
+            <a:schemeClr val="accent3"/>
+          </a:lnRef>
+          <a:fillRef idx="2">
+            <a:schemeClr val="accent3"/>
+          </a:fillRef>
+          <a:effectRef idx="1">
+            <a:schemeClr val="accent3"/>
+          </a:effectRef>
+          <a:fontRef idx="minor">
+            <a:schemeClr val="dk1"/>
+          </a:fontRef>
+        </p:style>
+        <p:txBody>
+          <a:bodyPr rtlCol="0" anchor="ctr"/>
+          <a:lstStyle/>
+          <a:p>
+            <a:pPr algn="ctr"/>
+            <a:r>
+              <a:rPr lang="en-US" sz="1050" b="1" dirty="0" err="1">
+                <a:solidFill>
+                  <a:schemeClr val="accent3">
+                    <a:lumMod val="75000"/>
+                  </a:schemeClr>
+                </a:solidFill>
+              </a:rPr>
+              <a:t>CrimeCaseDetailsPage</a:t>
+            </a:r>
+            <a:endParaRPr lang="en-SG" sz="1050" b="1" dirty="0">
+              <a:solidFill>
+                <a:schemeClr val="accent3">
+                  <a:lumMod val="75000"/>
+                </a:schemeClr>
+              </a:solidFill>
+            </a:endParaRPr>
+          </a:p>
+        </p:txBody>
+      </p:sp>
+      <p:cxnSp>
+        <p:nvCxnSpPr>
+          <p:cNvPr id="69" name="Elbow Connector 136">
+            <a:extLst>
+              <a:ext uri="{FF2B5EF4-FFF2-40B4-BE49-F238E27FC236}">
+                <a16:creationId xmlns:a16="http://schemas.microsoft.com/office/drawing/2014/main" id="{E1E95431-878D-4F5F-B866-E52AD0FAC786}"/>
+              </a:ext>
+            </a:extLst>
+          </p:cNvPr>
+          <p:cNvCxnSpPr>
+            <a:cxnSpLocks/>
+            <a:stCxn id="34" idx="0"/>
+          </p:cNvCxnSpPr>
+          <p:nvPr/>
+        </p:nvCxnSpPr>
+        <p:spPr>
+          <a:xfrm rot="5400000" flipH="1" flipV="1">
+            <a:off x="3640262" y="2816727"/>
+            <a:ext cx="49350" cy="664866"/>
+          </a:xfrm>
+          <a:prstGeom prst="bentConnector2">
+            <a:avLst/>
+          </a:prstGeom>
+          <a:ln w="19050">
+            <a:solidFill>
+              <a:schemeClr val="accent3"/>
+            </a:solidFill>
+            <a:headEnd type="none" w="med" len="med"/>
+            <a:tailEnd type="arrow" w="med" len="med"/>
+          </a:ln>
+          <a:effectLst/>
+        </p:spPr>
+        <p:style>
+          <a:lnRef idx="1">
+            <a:schemeClr val="accent2"/>
+          </a:lnRef>
+          <a:fillRef idx="2">
+            <a:schemeClr val="accent2"/>
+          </a:fillRef>
+          <a:effectRef idx="1">
+            <a:schemeClr val="accent2"/>
+          </a:effectRef>
+          <a:fontRef idx="minor">
+            <a:schemeClr val="dk1"/>
+          </a:fontRef>
+        </p:style>
+      </p:cxnSp>
+      <p:cxnSp>
+        <p:nvCxnSpPr>
+          <p:cNvPr id="72" name="Elbow Connector 136">
+            <a:extLst>
+              <a:ext uri="{FF2B5EF4-FFF2-40B4-BE49-F238E27FC236}">
+                <a16:creationId xmlns:a16="http://schemas.microsoft.com/office/drawing/2014/main" id="{3B5DE8A7-D424-4A2A-85B6-D4D2B7B78C0A}"/>
+              </a:ext>
+            </a:extLst>
+          </p:cNvPr>
+          <p:cNvCxnSpPr>
+            <a:cxnSpLocks/>
+            <a:stCxn id="34" idx="2"/>
+          </p:cNvCxnSpPr>
+          <p:nvPr/>
+        </p:nvCxnSpPr>
+        <p:spPr>
+          <a:xfrm rot="16200000" flipH="1">
+            <a:off x="3638330" y="3104850"/>
+            <a:ext cx="53217" cy="664868"/>
+          </a:xfrm>
+          <a:prstGeom prst="bentConnector2">
+            <a:avLst/>
+          </a:prstGeom>
+          <a:ln w="19050">
+            <a:solidFill>
+              <a:schemeClr val="accent3"/>
+            </a:solidFill>
+            <a:headEnd type="none" w="med" len="med"/>
+            <a:tailEnd type="arrow" w="med" len="med"/>
+          </a:ln>
+          <a:effectLst/>
+        </p:spPr>
+        <p:style>
+          <a:lnRef idx="1">
+            <a:schemeClr val="accent2"/>
+          </a:lnRef>
+          <a:fillRef idx="2">
+            <a:schemeClr val="accent2"/>
+          </a:fillRef>
+          <a:effectRef idx="1">
+            <a:schemeClr val="accent2"/>
+          </a:effectRef>
+          <a:fontRef idx="minor">
+            <a:schemeClr val="dk1"/>
+          </a:fontRef>
+        </p:style>
+      </p:cxnSp>
     </p:spTree>
     <p:extLst>
       <p:ext uri="{BB962C8B-B14F-4D97-AF65-F5344CB8AC3E}">
